--- a/הגשה/מצגת_סוף_קורס-_ורילוג.pptx
+++ b/הגשה/מצגת_סוף_קורס-_ורילוג.pptx
@@ -5,10 +5,10 @@
     <p:sldMasterId id="2147483660" r:id="rId1"/>
   </p:sldMasterIdLst>
   <p:notesMasterIdLst>
-    <p:notesMasterId r:id="rId22"/>
+    <p:notesMasterId r:id="rId23"/>
   </p:notesMasterIdLst>
   <p:handoutMasterIdLst>
-    <p:handoutMasterId r:id="rId23"/>
+    <p:handoutMasterId r:id="rId24"/>
   </p:handoutMasterIdLst>
   <p:sldIdLst>
     <p:sldId id="256" r:id="rId2"/>
@@ -25,12 +25,13 @@
     <p:sldId id="272" r:id="rId13"/>
     <p:sldId id="271" r:id="rId14"/>
     <p:sldId id="270" r:id="rId15"/>
-    <p:sldId id="276" r:id="rId16"/>
-    <p:sldId id="264" r:id="rId17"/>
-    <p:sldId id="265" r:id="rId18"/>
-    <p:sldId id="274" r:id="rId19"/>
-    <p:sldId id="275" r:id="rId20"/>
-    <p:sldId id="266" r:id="rId21"/>
+    <p:sldId id="278" r:id="rId16"/>
+    <p:sldId id="276" r:id="rId17"/>
+    <p:sldId id="264" r:id="rId18"/>
+    <p:sldId id="265" r:id="rId19"/>
+    <p:sldId id="274" r:id="rId20"/>
+    <p:sldId id="275" r:id="rId21"/>
+    <p:sldId id="266" r:id="rId22"/>
   </p:sldIdLst>
   <p:sldSz cx="12192000" cy="6858000"/>
   <p:notesSz cx="6858000" cy="9144000"/>
@@ -7645,53 +7646,12 @@
           <a:chExt cx="0" cy="0"/>
         </a:xfrm>
       </p:grpSpPr>
-      <p:sp>
-        <p:nvSpPr>
-          <p:cNvPr id="2" name="כותרת 1">
-            <a:extLst>
-              <a:ext uri="{FF2B5EF4-FFF2-40B4-BE49-F238E27FC236}">
-                <a16:creationId xmlns:a16="http://schemas.microsoft.com/office/drawing/2014/main" id="{81720F6E-57CD-BFBB-35FD-E4DAEEA7B3CA}"/>
-              </a:ext>
-            </a:extLst>
-          </p:cNvPr>
-          <p:cNvSpPr>
-            <a:spLocks noGrp="1"/>
-          </p:cNvSpPr>
-          <p:nvPr>
-            <p:ph type="title"/>
-          </p:nvPr>
-        </p:nvSpPr>
-        <p:spPr>
-          <a:xfrm>
-            <a:off x="4529853" y="96900"/>
-            <a:ext cx="9404723" cy="1400530"/>
-          </a:xfrm>
-        </p:spPr>
-        <p:txBody>
-          <a:bodyPr/>
-          <a:lstStyle/>
-          <a:p>
-            <a:r>
-              <a:rPr lang="en-US" sz="3200" b="1" u="sng" dirty="0">
-                <a:latin typeface="Calibri" panose="020F0502020204030204" pitchFamily="34" charset="0"/>
-                <a:ea typeface="Calibri" panose="020F0502020204030204" pitchFamily="34" charset="0"/>
-                <a:cs typeface="Calibri" panose="020F0502020204030204" pitchFamily="34" charset="0"/>
-              </a:rPr>
-              <a:t>Place &amp; route:</a:t>
-            </a:r>
-            <a:br>
-              <a:rPr lang="he-IL" sz="3200" dirty="0"/>
-            </a:br>
-            <a:endParaRPr lang="he-IL" sz="3200" dirty="0"/>
-          </a:p>
-        </p:txBody>
-      </p:sp>
       <p:pic>
         <p:nvPicPr>
           <p:cNvPr id="5" name="תמונה 4">
             <a:extLst>
               <a:ext uri="{FF2B5EF4-FFF2-40B4-BE49-F238E27FC236}">
-                <a16:creationId xmlns:a16="http://schemas.microsoft.com/office/drawing/2014/main" id="{90E97C1B-0DAD-5C24-9336-F2CDFE4D7FD2}"/>
+                <a16:creationId xmlns:a16="http://schemas.microsoft.com/office/drawing/2014/main" id="{0B1B9F7A-FC5C-3E0F-084E-6FA288F1EF77}"/>
               </a:ext>
             </a:extLst>
           </p:cNvPr>
@@ -7708,8 +7668,8 @@
         </p:blipFill>
         <p:spPr>
           <a:xfrm>
-            <a:off x="0" y="1381940"/>
-            <a:ext cx="12192000" cy="2992905"/>
+            <a:off x="1553062" y="1313058"/>
+            <a:ext cx="4080821" cy="5240631"/>
           </a:xfrm>
           <a:prstGeom prst="rect">
             <a:avLst/>
@@ -7721,7 +7681,7 @@
           <p:cNvPr id="7" name="תמונה 6">
             <a:extLst>
               <a:ext uri="{FF2B5EF4-FFF2-40B4-BE49-F238E27FC236}">
-                <a16:creationId xmlns:a16="http://schemas.microsoft.com/office/drawing/2014/main" id="{3BA5B0D7-0763-F5BF-085E-28D66D0DCC64}"/>
+                <a16:creationId xmlns:a16="http://schemas.microsoft.com/office/drawing/2014/main" id="{EF7A69E1-1EDD-826A-CD6F-5BC8ED034C2E}"/>
               </a:ext>
             </a:extLst>
           </p:cNvPr>
@@ -7738,14 +7698,128 @@
         </p:blipFill>
         <p:spPr>
           <a:xfrm>
-            <a:off x="9805213" y="2647883"/>
-            <a:ext cx="2295845" cy="952633"/>
+            <a:off x="6633675" y="2244195"/>
+            <a:ext cx="4083112" cy="3900966"/>
           </a:xfrm>
           <a:prstGeom prst="rect">
             <a:avLst/>
           </a:prstGeom>
         </p:spPr>
       </p:pic>
+      <p:sp>
+        <p:nvSpPr>
+          <p:cNvPr id="9" name="תיבת טקסט 8">
+            <a:extLst>
+              <a:ext uri="{FF2B5EF4-FFF2-40B4-BE49-F238E27FC236}">
+                <a16:creationId xmlns:a16="http://schemas.microsoft.com/office/drawing/2014/main" id="{F8388090-43D0-0F99-E30C-17A8069AE7D5}"/>
+              </a:ext>
+            </a:extLst>
+          </p:cNvPr>
+          <p:cNvSpPr txBox="1"/>
+          <p:nvPr/>
+        </p:nvSpPr>
+        <p:spPr>
+          <a:xfrm>
+            <a:off x="4975123" y="304311"/>
+            <a:ext cx="6096000" cy="1046440"/>
+          </a:xfrm>
+          <a:prstGeom prst="rect">
+            <a:avLst/>
+          </a:prstGeom>
+          <a:noFill/>
+        </p:spPr>
+        <p:txBody>
+          <a:bodyPr wrap="square">
+            <a:spAutoFit/>
+          </a:bodyPr>
+          <a:lstStyle/>
+          <a:p>
+            <a:r>
+              <a:rPr lang="en-US" sz="4400" b="1" u="sng" dirty="0">
+                <a:latin typeface="Calibri" panose="020F0502020204030204" pitchFamily="34" charset="0"/>
+                <a:ea typeface="Calibri" panose="020F0502020204030204" pitchFamily="34" charset="0"/>
+                <a:cs typeface="Calibri" panose="020F0502020204030204" pitchFamily="34" charset="0"/>
+              </a:rPr>
+              <a:t>Place &amp; route:</a:t>
+            </a:r>
+            <a:br>
+              <a:rPr lang="he-IL" sz="1800" dirty="0"/>
+            </a:br>
+            <a:endParaRPr lang="he-IL" dirty="0"/>
+          </a:p>
+        </p:txBody>
+      </p:sp>
+    </p:spTree>
+    <p:extLst>
+      <p:ext uri="{BB962C8B-B14F-4D97-AF65-F5344CB8AC3E}">
+        <p14:creationId xmlns:p14="http://schemas.microsoft.com/office/powerpoint/2010/main" val="2393449810"/>
+      </p:ext>
+    </p:extLst>
+  </p:cSld>
+  <p:clrMapOvr>
+    <a:masterClrMapping/>
+  </p:clrMapOvr>
+</p:sld>
+</file>
+
+<file path=ppt/slides/slide16.xml><?xml version="1.0" encoding="utf-8"?>
+<p:sld xmlns:a="http://schemas.openxmlformats.org/drawingml/2006/main" xmlns:r="http://schemas.openxmlformats.org/officeDocument/2006/relationships" xmlns:p="http://schemas.openxmlformats.org/presentationml/2006/main">
+  <p:cSld>
+    <p:spTree>
+      <p:nvGrpSpPr>
+        <p:cNvPr id="1" name=""/>
+        <p:cNvGrpSpPr/>
+        <p:nvPr/>
+      </p:nvGrpSpPr>
+      <p:grpSpPr>
+        <a:xfrm>
+          <a:off x="0" y="0"/>
+          <a:ext cx="0" cy="0"/>
+          <a:chOff x="0" y="0"/>
+          <a:chExt cx="0" cy="0"/>
+        </a:xfrm>
+      </p:grpSpPr>
+      <p:sp>
+        <p:nvSpPr>
+          <p:cNvPr id="2" name="כותרת 1">
+            <a:extLst>
+              <a:ext uri="{FF2B5EF4-FFF2-40B4-BE49-F238E27FC236}">
+                <a16:creationId xmlns:a16="http://schemas.microsoft.com/office/drawing/2014/main" id="{81720F6E-57CD-BFBB-35FD-E4DAEEA7B3CA}"/>
+              </a:ext>
+            </a:extLst>
+          </p:cNvPr>
+          <p:cNvSpPr>
+            <a:spLocks noGrp="1"/>
+          </p:cNvSpPr>
+          <p:nvPr>
+            <p:ph type="title"/>
+          </p:nvPr>
+        </p:nvSpPr>
+        <p:spPr>
+          <a:xfrm>
+            <a:off x="4529853" y="96900"/>
+            <a:ext cx="9404723" cy="1400530"/>
+          </a:xfrm>
+        </p:spPr>
+        <p:txBody>
+          <a:bodyPr/>
+          <a:lstStyle/>
+          <a:p>
+            <a:r>
+              <a:rPr lang="en-US" sz="3200" b="1" u="sng" dirty="0">
+                <a:latin typeface="Calibri" panose="020F0502020204030204" pitchFamily="34" charset="0"/>
+                <a:ea typeface="Calibri" panose="020F0502020204030204" pitchFamily="34" charset="0"/>
+                <a:cs typeface="Calibri" panose="020F0502020204030204" pitchFamily="34" charset="0"/>
+              </a:rPr>
+              <a:t>Place &amp; route:</a:t>
+            </a:r>
+            <a:br>
+              <a:rPr lang="he-IL" sz="3200" dirty="0"/>
+            </a:br>
+            <a:endParaRPr lang="he-IL" sz="3200" dirty="0"/>
+          </a:p>
+        </p:txBody>
+      </p:sp>
       <p:sp>
         <p:nvSpPr>
           <p:cNvPr id="8" name="תיבת טקסט 7">
@@ -7779,6 +7853,76 @@
               <a:t> timing report</a:t>
             </a:r>
             <a:endParaRPr lang="he-IL" sz="3200" dirty="0"/>
+          </a:p>
+        </p:txBody>
+      </p:sp>
+      <p:pic>
+        <p:nvPicPr>
+          <p:cNvPr id="3" name="תמונה 2">
+            <a:extLst>
+              <a:ext uri="{FF2B5EF4-FFF2-40B4-BE49-F238E27FC236}">
+                <a16:creationId xmlns:a16="http://schemas.microsoft.com/office/drawing/2014/main" id="{6E1F6D96-3ADA-B826-47EF-C5BA7D132EA3}"/>
+              </a:ext>
+            </a:extLst>
+          </p:cNvPr>
+          <p:cNvPicPr>
+            <a:picLocks noChangeAspect="1"/>
+          </p:cNvPicPr>
+          <p:nvPr/>
+        </p:nvPicPr>
+        <p:blipFill>
+          <a:blip r:embed="rId2"/>
+          <a:stretch>
+            <a:fillRect/>
+          </a:stretch>
+        </p:blipFill>
+        <p:spPr>
+          <a:xfrm>
+            <a:off x="653491" y="2082205"/>
+            <a:ext cx="9469171" cy="2200582"/>
+          </a:xfrm>
+          <a:prstGeom prst="rect">
+            <a:avLst/>
+          </a:prstGeom>
+        </p:spPr>
+      </p:pic>
+      <p:sp>
+        <p:nvSpPr>
+          <p:cNvPr id="4" name="תיבת טקסט 3">
+            <a:extLst>
+              <a:ext uri="{FF2B5EF4-FFF2-40B4-BE49-F238E27FC236}">
+                <a16:creationId xmlns:a16="http://schemas.microsoft.com/office/drawing/2014/main" id="{1724B338-70BA-017B-1A95-2D34F1B4F849}"/>
+              </a:ext>
+            </a:extLst>
+          </p:cNvPr>
+          <p:cNvSpPr txBox="1"/>
+          <p:nvPr/>
+        </p:nvSpPr>
+        <p:spPr>
+          <a:xfrm>
+            <a:off x="741981" y="1576167"/>
+            <a:ext cx="2625213" cy="369332"/>
+          </a:xfrm>
+          <a:prstGeom prst="rect">
+            <a:avLst/>
+          </a:prstGeom>
+          <a:noFill/>
+        </p:spPr>
+        <p:txBody>
+          <a:bodyPr wrap="square" rtlCol="1">
+            <a:spAutoFit/>
+          </a:bodyPr>
+          <a:lstStyle/>
+          <a:p>
+            <a:r>
+              <a:rPr lang="en-US" dirty="0"/>
+              <a:t>F = 29M </a:t>
+            </a:r>
+            <a:r>
+              <a:rPr lang="en-US" dirty="0" err="1"/>
+              <a:t>hz</a:t>
+            </a:r>
+            <a:endParaRPr lang="he-IL" dirty="0"/>
           </a:p>
         </p:txBody>
       </p:sp>
@@ -7795,7 +7939,7 @@
 </p:sld>
 </file>
 
-<file path=ppt/slides/slide16.xml><?xml version="1.0" encoding="utf-8"?>
+<file path=ppt/slides/slide17.xml><?xml version="1.0" encoding="utf-8"?>
 <p:sld xmlns:a="http://schemas.openxmlformats.org/drawingml/2006/main" xmlns:r="http://schemas.openxmlformats.org/officeDocument/2006/relationships" xmlns:p="http://schemas.openxmlformats.org/presentationml/2006/main">
   <p:cSld>
     <p:spTree>
@@ -7931,7 +8075,7 @@
 </p:sld>
 </file>
 
-<file path=ppt/slides/slide17.xml><?xml version="1.0" encoding="utf-8"?>
+<file path=ppt/slides/slide18.xml><?xml version="1.0" encoding="utf-8"?>
 <p:sld xmlns:a="http://schemas.openxmlformats.org/drawingml/2006/main" xmlns:r="http://schemas.openxmlformats.org/officeDocument/2006/relationships" xmlns:p="http://schemas.openxmlformats.org/presentationml/2006/main">
   <p:cSld>
     <p:spTree>
@@ -8097,7 +8241,7 @@
 </p:sld>
 </file>
 
-<file path=ppt/slides/slide18.xml><?xml version="1.0" encoding="utf-8"?>
+<file path=ppt/slides/slide19.xml><?xml version="1.0" encoding="utf-8"?>
 <p:sld xmlns:a="http://schemas.openxmlformats.org/drawingml/2006/main" xmlns:r="http://schemas.openxmlformats.org/officeDocument/2006/relationships" xmlns:p="http://schemas.openxmlformats.org/presentationml/2006/main">
   <p:cSld>
     <p:spTree>
@@ -8237,7 +8381,467 @@
 </p:sld>
 </file>
 
-<file path=ppt/slides/slide19.xml><?xml version="1.0" encoding="utf-8"?>
+<file path=ppt/slides/slide2.xml><?xml version="1.0" encoding="utf-8"?>
+<p:sld xmlns:a="http://schemas.openxmlformats.org/drawingml/2006/main" xmlns:r="http://schemas.openxmlformats.org/officeDocument/2006/relationships" xmlns:p="http://schemas.openxmlformats.org/presentationml/2006/main">
+  <p:cSld>
+    <p:spTree>
+      <p:nvGrpSpPr>
+        <p:cNvPr id="1" name=""/>
+        <p:cNvGrpSpPr/>
+        <p:nvPr/>
+      </p:nvGrpSpPr>
+      <p:grpSpPr>
+        <a:xfrm>
+          <a:off x="0" y="0"/>
+          <a:ext cx="0" cy="0"/>
+          <a:chOff x="0" y="0"/>
+          <a:chExt cx="0" cy="0"/>
+        </a:xfrm>
+      </p:grpSpPr>
+      <p:sp>
+        <p:nvSpPr>
+          <p:cNvPr id="2" name="תיבת טקסט 1">
+            <a:extLst>
+              <a:ext uri="{FF2B5EF4-FFF2-40B4-BE49-F238E27FC236}">
+                <a16:creationId xmlns:a16="http://schemas.microsoft.com/office/drawing/2014/main" id="{0D10F3D0-6DE1-AE2F-4121-68370EB86BA8}"/>
+              </a:ext>
+            </a:extLst>
+          </p:cNvPr>
+          <p:cNvSpPr txBox="1"/>
+          <p:nvPr/>
+        </p:nvSpPr>
+        <p:spPr>
+          <a:xfrm>
+            <a:off x="1566423" y="1228397"/>
+            <a:ext cx="4835949" cy="4401205"/>
+          </a:xfrm>
+          <a:prstGeom prst="rect">
+            <a:avLst/>
+          </a:prstGeom>
+          <a:noFill/>
+        </p:spPr>
+        <p:txBody>
+          <a:bodyPr wrap="square" rtlCol="1">
+            <a:spAutoFit/>
+          </a:bodyPr>
+          <a:lstStyle/>
+          <a:p>
+            <a:pPr marL="742950" lvl="1" indent="-285750" algn="l">
+              <a:buFont typeface="Wingdings" panose="05000000000000000000" pitchFamily="2" charset="2"/>
+              <a:buChar char="Ø"/>
+            </a:pPr>
+            <a:r>
+              <a:rPr lang="en-US" sz="2000" dirty="0">
+                <a:latin typeface="Calibri" panose="020F0502020204030204" pitchFamily="34" charset="0"/>
+                <a:ea typeface="Calibri" panose="020F0502020204030204" pitchFamily="34" charset="0"/>
+                <a:cs typeface="Calibri" panose="020F0502020204030204" pitchFamily="34" charset="0"/>
+              </a:rPr>
+              <a:t>Owner table</a:t>
+            </a:r>
+          </a:p>
+          <a:p>
+            <a:pPr marL="742950" lvl="1" indent="-285750" algn="l">
+              <a:buFont typeface="Wingdings" panose="05000000000000000000" pitchFamily="2" charset="2"/>
+              <a:buChar char="Ø"/>
+            </a:pPr>
+            <a:r>
+              <a:rPr lang="en-US" sz="2000" dirty="0">
+                <a:latin typeface="Calibri" panose="020F0502020204030204" pitchFamily="34" charset="0"/>
+                <a:ea typeface="Calibri" panose="020F0502020204030204" pitchFamily="34" charset="0"/>
+                <a:cs typeface="Calibri" panose="020F0502020204030204" pitchFamily="34" charset="0"/>
+              </a:rPr>
+              <a:t>Verilog code</a:t>
+            </a:r>
+          </a:p>
+          <a:p>
+            <a:pPr marL="1200150" lvl="2" indent="-285750">
+              <a:buFont typeface="Arial" panose="020B0604020202020204" pitchFamily="34" charset="0"/>
+              <a:buChar char="•"/>
+            </a:pPr>
+            <a:r>
+              <a:rPr lang="en-US" sz="2000" dirty="0">
+                <a:latin typeface="Calibri" panose="020F0502020204030204" pitchFamily="34" charset="0"/>
+                <a:ea typeface="Calibri" panose="020F0502020204030204" pitchFamily="34" charset="0"/>
+                <a:cs typeface="Calibri" panose="020F0502020204030204" pitchFamily="34" charset="0"/>
+              </a:rPr>
+              <a:t>Design</a:t>
+            </a:r>
+          </a:p>
+          <a:p>
+            <a:pPr marL="1200150" lvl="2" indent="-285750">
+              <a:buFont typeface="Arial" panose="020B0604020202020204" pitchFamily="34" charset="0"/>
+              <a:buChar char="•"/>
+            </a:pPr>
+            <a:r>
+              <a:rPr lang="en-US" sz="2000" dirty="0">
+                <a:latin typeface="Calibri" panose="020F0502020204030204" pitchFamily="34" charset="0"/>
+                <a:ea typeface="Calibri" panose="020F0502020204030204" pitchFamily="34" charset="0"/>
+                <a:cs typeface="Calibri" panose="020F0502020204030204" pitchFamily="34" charset="0"/>
+              </a:rPr>
+              <a:t>Testbench</a:t>
+            </a:r>
+          </a:p>
+          <a:p>
+            <a:pPr marL="742950" lvl="1" indent="-285750" algn="l">
+              <a:buFont typeface="Wingdings" panose="05000000000000000000" pitchFamily="2" charset="2"/>
+              <a:buChar char="Ø"/>
+            </a:pPr>
+            <a:r>
+              <a:rPr lang="en-US" sz="2000" dirty="0">
+                <a:latin typeface="Calibri" panose="020F0502020204030204" pitchFamily="34" charset="0"/>
+                <a:ea typeface="Calibri" panose="020F0502020204030204" pitchFamily="34" charset="0"/>
+                <a:cs typeface="Calibri" panose="020F0502020204030204" pitchFamily="34" charset="0"/>
+              </a:rPr>
+              <a:t>Source level simulation</a:t>
+            </a:r>
+          </a:p>
+          <a:p>
+            <a:pPr marL="1200150" lvl="2" indent="-285750">
+              <a:buFont typeface="Arial" panose="020B0604020202020204" pitchFamily="34" charset="0"/>
+              <a:buChar char="•"/>
+            </a:pPr>
+            <a:r>
+              <a:rPr lang="en-US" sz="2000" dirty="0">
+                <a:latin typeface="Calibri" panose="020F0502020204030204" pitchFamily="34" charset="0"/>
+                <a:ea typeface="Calibri" panose="020F0502020204030204" pitchFamily="34" charset="0"/>
+                <a:cs typeface="Calibri" panose="020F0502020204030204" pitchFamily="34" charset="0"/>
+              </a:rPr>
+              <a:t>sample of the regression</a:t>
+            </a:r>
+          </a:p>
+          <a:p>
+            <a:pPr marL="1200150" lvl="2" indent="-285750">
+              <a:buFont typeface="Arial" panose="020B0604020202020204" pitchFamily="34" charset="0"/>
+              <a:buChar char="•"/>
+            </a:pPr>
+            <a:r>
+              <a:rPr lang="en-US" sz="2000" dirty="0">
+                <a:latin typeface="Calibri" panose="020F0502020204030204" pitchFamily="34" charset="0"/>
+                <a:ea typeface="Calibri" panose="020F0502020204030204" pitchFamily="34" charset="0"/>
+                <a:cs typeface="Calibri" panose="020F0502020204030204" pitchFamily="34" charset="0"/>
+              </a:rPr>
+              <a:t>Sample waveforms</a:t>
+            </a:r>
+          </a:p>
+          <a:p>
+            <a:pPr marL="742950" lvl="1" indent="-285750" algn="l">
+              <a:buFont typeface="Wingdings" panose="05000000000000000000" pitchFamily="2" charset="2"/>
+              <a:buChar char="Ø"/>
+            </a:pPr>
+            <a:r>
+              <a:rPr lang="en-US" sz="2000" dirty="0">
+                <a:latin typeface="Calibri" panose="020F0502020204030204" pitchFamily="34" charset="0"/>
+                <a:ea typeface="Calibri" panose="020F0502020204030204" pitchFamily="34" charset="0"/>
+                <a:cs typeface="Calibri" panose="020F0502020204030204" pitchFamily="34" charset="0"/>
+              </a:rPr>
+              <a:t>Gate level simulation</a:t>
+            </a:r>
+          </a:p>
+          <a:p>
+            <a:pPr marL="1200150" lvl="2" indent="-285750">
+              <a:buFont typeface="Arial" panose="020B0604020202020204" pitchFamily="34" charset="0"/>
+              <a:buChar char="•"/>
+            </a:pPr>
+            <a:r>
+              <a:rPr lang="en-US" sz="2000" dirty="0">
+                <a:latin typeface="Calibri" panose="020F0502020204030204" pitchFamily="34" charset="0"/>
+                <a:ea typeface="Calibri" panose="020F0502020204030204" pitchFamily="34" charset="0"/>
+                <a:cs typeface="Calibri" panose="020F0502020204030204" pitchFamily="34" charset="0"/>
+              </a:rPr>
+              <a:t>sample of the regression</a:t>
+            </a:r>
+          </a:p>
+          <a:p>
+            <a:pPr marL="1200150" lvl="2" indent="-285750">
+              <a:buFont typeface="Arial" panose="020B0604020202020204" pitchFamily="34" charset="0"/>
+              <a:buChar char="•"/>
+            </a:pPr>
+            <a:r>
+              <a:rPr lang="en-US" sz="2000" dirty="0">
+                <a:latin typeface="Calibri" panose="020F0502020204030204" pitchFamily="34" charset="0"/>
+                <a:ea typeface="Calibri" panose="020F0502020204030204" pitchFamily="34" charset="0"/>
+                <a:cs typeface="Calibri" panose="020F0502020204030204" pitchFamily="34" charset="0"/>
+              </a:rPr>
+              <a:t>Sample waveforms</a:t>
+            </a:r>
+          </a:p>
+          <a:p>
+            <a:pPr marL="742950" lvl="1" indent="-285750" algn="l">
+              <a:buFont typeface="Wingdings" panose="05000000000000000000" pitchFamily="2" charset="2"/>
+              <a:buChar char="Ø"/>
+            </a:pPr>
+            <a:r>
+              <a:rPr lang="en-US" sz="2000" dirty="0">
+                <a:latin typeface="Calibri" panose="020F0502020204030204" pitchFamily="34" charset="0"/>
+                <a:ea typeface="Calibri" panose="020F0502020204030204" pitchFamily="34" charset="0"/>
+                <a:cs typeface="Calibri" panose="020F0502020204030204" pitchFamily="34" charset="0"/>
+              </a:rPr>
+              <a:t>Synthesis</a:t>
+            </a:r>
+          </a:p>
+          <a:p>
+            <a:pPr marL="1200150" lvl="2" indent="-285750">
+              <a:buFont typeface="Arial" panose="020B0604020202020204" pitchFamily="34" charset="0"/>
+              <a:buChar char="•"/>
+            </a:pPr>
+            <a:r>
+              <a:rPr lang="en-US" sz="2000" dirty="0">
+                <a:latin typeface="Calibri" panose="020F0502020204030204" pitchFamily="34" charset="0"/>
+                <a:ea typeface="Calibri" panose="020F0502020204030204" pitchFamily="34" charset="0"/>
+                <a:cs typeface="Calibri" panose="020F0502020204030204" pitchFamily="34" charset="0"/>
+              </a:rPr>
+              <a:t>Area</a:t>
+            </a:r>
+          </a:p>
+          <a:p>
+            <a:pPr marL="1200150" lvl="2" indent="-285750">
+              <a:buFont typeface="Arial" panose="020B0604020202020204" pitchFamily="34" charset="0"/>
+              <a:buChar char="•"/>
+            </a:pPr>
+            <a:r>
+              <a:rPr lang="en-US" sz="2000" dirty="0">
+                <a:latin typeface="Calibri" panose="020F0502020204030204" pitchFamily="34" charset="0"/>
+                <a:ea typeface="Calibri" panose="020F0502020204030204" pitchFamily="34" charset="0"/>
+                <a:cs typeface="Calibri" panose="020F0502020204030204" pitchFamily="34" charset="0"/>
+              </a:rPr>
+              <a:t>Timing report</a:t>
+            </a:r>
+          </a:p>
+          <a:p>
+            <a:pPr lvl="2"/>
+            <a:endParaRPr lang="en-US" sz="2000" dirty="0">
+              <a:latin typeface="Calibri" panose="020F0502020204030204" pitchFamily="34" charset="0"/>
+              <a:ea typeface="Calibri" panose="020F0502020204030204" pitchFamily="34" charset="0"/>
+              <a:cs typeface="Calibri" panose="020F0502020204030204" pitchFamily="34" charset="0"/>
+            </a:endParaRPr>
+          </a:p>
+        </p:txBody>
+      </p:sp>
+      <p:sp>
+        <p:nvSpPr>
+          <p:cNvPr id="3" name="תיבת טקסט 2">
+            <a:extLst>
+              <a:ext uri="{FF2B5EF4-FFF2-40B4-BE49-F238E27FC236}">
+                <a16:creationId xmlns:a16="http://schemas.microsoft.com/office/drawing/2014/main" id="{EF795781-2A13-79F9-87F3-883FCB6008CB}"/>
+              </a:ext>
+            </a:extLst>
+          </p:cNvPr>
+          <p:cNvSpPr txBox="1"/>
+          <p:nvPr/>
+        </p:nvSpPr>
+        <p:spPr>
+          <a:xfrm>
+            <a:off x="6402372" y="1240736"/>
+            <a:ext cx="4835949" cy="3477875"/>
+          </a:xfrm>
+          <a:prstGeom prst="rect">
+            <a:avLst/>
+          </a:prstGeom>
+          <a:noFill/>
+        </p:spPr>
+        <p:txBody>
+          <a:bodyPr wrap="square" rtlCol="1">
+            <a:spAutoFit/>
+          </a:bodyPr>
+          <a:lstStyle/>
+          <a:p>
+            <a:pPr algn="l"/>
+            <a:endParaRPr lang="he-IL" sz="2000" dirty="0"/>
+          </a:p>
+          <a:p>
+            <a:pPr marL="742950" lvl="1" indent="-285750" algn="l">
+              <a:buFont typeface="Wingdings" panose="05000000000000000000" pitchFamily="2" charset="2"/>
+              <a:buChar char="Ø"/>
+            </a:pPr>
+            <a:r>
+              <a:rPr lang="en-US" sz="2000" dirty="0">
+                <a:latin typeface="Calibri" panose="020F0502020204030204" pitchFamily="34" charset="0"/>
+                <a:ea typeface="Calibri" panose="020F0502020204030204" pitchFamily="34" charset="0"/>
+                <a:cs typeface="Calibri" panose="020F0502020204030204" pitchFamily="34" charset="0"/>
+              </a:rPr>
+              <a:t>Place &amp; route</a:t>
+            </a:r>
+          </a:p>
+          <a:p>
+            <a:pPr marL="1200150" lvl="2" indent="-285750">
+              <a:buFont typeface="Arial" panose="020B0604020202020204" pitchFamily="34" charset="0"/>
+              <a:buChar char="•"/>
+            </a:pPr>
+            <a:r>
+              <a:rPr lang="en-US" sz="2000" dirty="0">
+                <a:latin typeface="Calibri" panose="020F0502020204030204" pitchFamily="34" charset="0"/>
+                <a:ea typeface="Calibri" panose="020F0502020204030204" pitchFamily="34" charset="0"/>
+                <a:cs typeface="Calibri" panose="020F0502020204030204" pitchFamily="34" charset="0"/>
+              </a:rPr>
+              <a:t>Area</a:t>
+            </a:r>
+          </a:p>
+          <a:p>
+            <a:pPr marL="1200150" lvl="2" indent="-285750">
+              <a:buFont typeface="Arial" panose="020B0604020202020204" pitchFamily="34" charset="0"/>
+              <a:buChar char="•"/>
+            </a:pPr>
+            <a:r>
+              <a:rPr lang="en-US" sz="2000" dirty="0">
+                <a:latin typeface="Calibri" panose="020F0502020204030204" pitchFamily="34" charset="0"/>
+                <a:ea typeface="Calibri" panose="020F0502020204030204" pitchFamily="34" charset="0"/>
+                <a:cs typeface="Calibri" panose="020F0502020204030204" pitchFamily="34" charset="0"/>
+              </a:rPr>
+              <a:t>Timing report</a:t>
+            </a:r>
+          </a:p>
+          <a:p>
+            <a:pPr marL="1200150" lvl="2" indent="-285750">
+              <a:buFont typeface="Arial" panose="020B0604020202020204" pitchFamily="34" charset="0"/>
+              <a:buChar char="•"/>
+            </a:pPr>
+            <a:r>
+              <a:rPr lang="en-US" sz="2000" dirty="0">
+                <a:latin typeface="Calibri" panose="020F0502020204030204" pitchFamily="34" charset="0"/>
+                <a:ea typeface="Calibri" panose="020F0502020204030204" pitchFamily="34" charset="0"/>
+                <a:cs typeface="Calibri" panose="020F0502020204030204" pitchFamily="34" charset="0"/>
+              </a:rPr>
+              <a:t>I\O report</a:t>
+            </a:r>
+          </a:p>
+          <a:p>
+            <a:pPr marL="1200150" lvl="2" indent="-285750">
+              <a:buFont typeface="Arial" panose="020B0604020202020204" pitchFamily="34" charset="0"/>
+              <a:buChar char="•"/>
+            </a:pPr>
+            <a:r>
+              <a:rPr lang="en-US" sz="2000" dirty="0">
+                <a:latin typeface="Calibri" panose="020F0502020204030204" pitchFamily="34" charset="0"/>
+                <a:ea typeface="Calibri" panose="020F0502020204030204" pitchFamily="34" charset="0"/>
+                <a:cs typeface="Calibri" panose="020F0502020204030204" pitchFamily="34" charset="0"/>
+              </a:rPr>
+              <a:t>Screenshot of the chip view</a:t>
+            </a:r>
+          </a:p>
+          <a:p>
+            <a:pPr marL="742950" lvl="1" indent="-285750" algn="l">
+              <a:buFont typeface="Wingdings" panose="05000000000000000000" pitchFamily="2" charset="2"/>
+              <a:buChar char="Ø"/>
+            </a:pPr>
+            <a:r>
+              <a:rPr lang="en-US" sz="2000" dirty="0">
+                <a:latin typeface="Calibri" panose="020F0502020204030204" pitchFamily="34" charset="0"/>
+                <a:ea typeface="Calibri" panose="020F0502020204030204" pitchFamily="34" charset="0"/>
+                <a:cs typeface="Calibri" panose="020F0502020204030204" pitchFamily="34" charset="0"/>
+              </a:rPr>
+              <a:t>Final results</a:t>
+            </a:r>
+          </a:p>
+          <a:p>
+            <a:pPr marL="1200150" lvl="2" indent="-285750">
+              <a:buFont typeface="Arial" panose="020B0604020202020204" pitchFamily="34" charset="0"/>
+              <a:buChar char="•"/>
+            </a:pPr>
+            <a:r>
+              <a:rPr lang="en-US" sz="2000" dirty="0">
+                <a:latin typeface="Calibri" panose="020F0502020204030204" pitchFamily="34" charset="0"/>
+                <a:ea typeface="Calibri" panose="020F0502020204030204" pitchFamily="34" charset="0"/>
+                <a:cs typeface="Calibri" panose="020F0502020204030204" pitchFamily="34" charset="0"/>
+              </a:rPr>
+              <a:t>final chip and it’s utilization</a:t>
+            </a:r>
+          </a:p>
+          <a:p>
+            <a:pPr marL="1200150" lvl="2" indent="-285750">
+              <a:buFont typeface="Arial" panose="020B0604020202020204" pitchFamily="34" charset="0"/>
+              <a:buChar char="•"/>
+            </a:pPr>
+            <a:r>
+              <a:rPr lang="en-US" sz="2000" dirty="0">
+                <a:latin typeface="Calibri" panose="020F0502020204030204" pitchFamily="34" charset="0"/>
+                <a:ea typeface="Calibri" panose="020F0502020204030204" pitchFamily="34" charset="0"/>
+                <a:cs typeface="Calibri" panose="020F0502020204030204" pitchFamily="34" charset="0"/>
+              </a:rPr>
+              <a:t>final frequency reported by Vivado</a:t>
+            </a:r>
+          </a:p>
+          <a:p>
+            <a:pPr marL="1200150" lvl="2" indent="-285750">
+              <a:buFont typeface="Arial" panose="020B0604020202020204" pitchFamily="34" charset="0"/>
+              <a:buChar char="•"/>
+            </a:pPr>
+            <a:r>
+              <a:rPr lang="en-US" sz="2000" dirty="0">
+                <a:latin typeface="Calibri" panose="020F0502020204030204" pitchFamily="34" charset="0"/>
+                <a:ea typeface="Calibri" panose="020F0502020204030204" pitchFamily="34" charset="0"/>
+                <a:cs typeface="Calibri" panose="020F0502020204030204" pitchFamily="34" charset="0"/>
+              </a:rPr>
+              <a:t>the possible throughput</a:t>
+            </a:r>
+            <a:endParaRPr lang="he-IL" sz="2000" dirty="0">
+              <a:latin typeface="Calibri" panose="020F0502020204030204" pitchFamily="34" charset="0"/>
+              <a:ea typeface="Calibri" panose="020F0502020204030204" pitchFamily="34" charset="0"/>
+              <a:cs typeface="Calibri" panose="020F0502020204030204" pitchFamily="34" charset="0"/>
+            </a:endParaRPr>
+          </a:p>
+        </p:txBody>
+      </p:sp>
+      <p:sp>
+        <p:nvSpPr>
+          <p:cNvPr id="4" name="תיבת טקסט 3">
+            <a:extLst>
+              <a:ext uri="{FF2B5EF4-FFF2-40B4-BE49-F238E27FC236}">
+                <a16:creationId xmlns:a16="http://schemas.microsoft.com/office/drawing/2014/main" id="{C2F71B78-B37B-EA57-34FC-0503420E4390}"/>
+              </a:ext>
+            </a:extLst>
+          </p:cNvPr>
+          <p:cNvSpPr txBox="1"/>
+          <p:nvPr/>
+        </p:nvSpPr>
+        <p:spPr>
+          <a:xfrm>
+            <a:off x="5403131" y="489733"/>
+            <a:ext cx="1583704" cy="738664"/>
+          </a:xfrm>
+          <a:prstGeom prst="rect">
+            <a:avLst/>
+          </a:prstGeom>
+          <a:noFill/>
+        </p:spPr>
+        <p:txBody>
+          <a:bodyPr wrap="square" rtlCol="1">
+            <a:spAutoFit/>
+          </a:bodyPr>
+          <a:lstStyle/>
+          <a:p>
+            <a:r>
+              <a:rPr lang="en-US" sz="2400" b="1" u="sng" dirty="0">
+                <a:latin typeface="Calibri" panose="020F0502020204030204" pitchFamily="34" charset="0"/>
+                <a:ea typeface="Calibri" panose="020F0502020204030204" pitchFamily="34" charset="0"/>
+                <a:cs typeface="Calibri" panose="020F0502020204030204" pitchFamily="34" charset="0"/>
+              </a:rPr>
+              <a:t>Overview</a:t>
+            </a:r>
+            <a:endParaRPr lang="he-IL" sz="1800" b="1" u="sng" dirty="0">
+              <a:latin typeface="Calibri" panose="020F0502020204030204" pitchFamily="34" charset="0"/>
+              <a:ea typeface="Calibri" panose="020F0502020204030204" pitchFamily="34" charset="0"/>
+              <a:cs typeface="Calibri" panose="020F0502020204030204" pitchFamily="34" charset="0"/>
+            </a:endParaRPr>
+          </a:p>
+          <a:p>
+            <a:endParaRPr lang="he-IL" dirty="0"/>
+          </a:p>
+        </p:txBody>
+      </p:sp>
+    </p:spTree>
+    <p:extLst>
+      <p:ext uri="{BB962C8B-B14F-4D97-AF65-F5344CB8AC3E}">
+        <p14:creationId xmlns:p14="http://schemas.microsoft.com/office/powerpoint/2010/main" val="809986611"/>
+      </p:ext>
+    </p:extLst>
+  </p:cSld>
+  <p:clrMapOvr>
+    <a:masterClrMapping/>
+  </p:clrMapOvr>
+</p:sld>
+</file>
+
+<file path=ppt/slides/slide20.xml><?xml version="1.0" encoding="utf-8"?>
 <p:sld xmlns:a="http://schemas.openxmlformats.org/drawingml/2006/main" xmlns:r="http://schemas.openxmlformats.org/officeDocument/2006/relationships" xmlns:p="http://schemas.openxmlformats.org/presentationml/2006/main">
   <p:cSld>
     <p:spTree>
@@ -8297,7 +8901,7 @@
 </p:sld>
 </file>
 
-<file path=ppt/slides/slide2.xml><?xml version="1.0" encoding="utf-8"?>
+<file path=ppt/slides/slide21.xml><?xml version="1.0" encoding="utf-8"?>
 <p:sld xmlns:a="http://schemas.openxmlformats.org/drawingml/2006/main" xmlns:r="http://schemas.openxmlformats.org/officeDocument/2006/relationships" xmlns:p="http://schemas.openxmlformats.org/presentationml/2006/main">
   <p:cSld>
     <p:spTree>
@@ -8316,466 +8920,6 @@
       </p:grpSpPr>
       <p:sp>
         <p:nvSpPr>
-          <p:cNvPr id="2" name="תיבת טקסט 1">
-            <a:extLst>
-              <a:ext uri="{FF2B5EF4-FFF2-40B4-BE49-F238E27FC236}">
-                <a16:creationId xmlns:a16="http://schemas.microsoft.com/office/drawing/2014/main" id="{0D10F3D0-6DE1-AE2F-4121-68370EB86BA8}"/>
-              </a:ext>
-            </a:extLst>
-          </p:cNvPr>
-          <p:cNvSpPr txBox="1"/>
-          <p:nvPr/>
-        </p:nvSpPr>
-        <p:spPr>
-          <a:xfrm>
-            <a:off x="1566423" y="1228397"/>
-            <a:ext cx="4835949" cy="4401205"/>
-          </a:xfrm>
-          <a:prstGeom prst="rect">
-            <a:avLst/>
-          </a:prstGeom>
-          <a:noFill/>
-        </p:spPr>
-        <p:txBody>
-          <a:bodyPr wrap="square" rtlCol="1">
-            <a:spAutoFit/>
-          </a:bodyPr>
-          <a:lstStyle/>
-          <a:p>
-            <a:pPr marL="742950" lvl="1" indent="-285750" algn="l">
-              <a:buFont typeface="Wingdings" panose="05000000000000000000" pitchFamily="2" charset="2"/>
-              <a:buChar char="Ø"/>
-            </a:pPr>
-            <a:r>
-              <a:rPr lang="en-US" sz="2000" dirty="0">
-                <a:latin typeface="Calibri" panose="020F0502020204030204" pitchFamily="34" charset="0"/>
-                <a:ea typeface="Calibri" panose="020F0502020204030204" pitchFamily="34" charset="0"/>
-                <a:cs typeface="Calibri" panose="020F0502020204030204" pitchFamily="34" charset="0"/>
-              </a:rPr>
-              <a:t>Owner table</a:t>
-            </a:r>
-          </a:p>
-          <a:p>
-            <a:pPr marL="742950" lvl="1" indent="-285750" algn="l">
-              <a:buFont typeface="Wingdings" panose="05000000000000000000" pitchFamily="2" charset="2"/>
-              <a:buChar char="Ø"/>
-            </a:pPr>
-            <a:r>
-              <a:rPr lang="en-US" sz="2000" dirty="0">
-                <a:latin typeface="Calibri" panose="020F0502020204030204" pitchFamily="34" charset="0"/>
-                <a:ea typeface="Calibri" panose="020F0502020204030204" pitchFamily="34" charset="0"/>
-                <a:cs typeface="Calibri" panose="020F0502020204030204" pitchFamily="34" charset="0"/>
-              </a:rPr>
-              <a:t>Verilog code</a:t>
-            </a:r>
-          </a:p>
-          <a:p>
-            <a:pPr marL="1200150" lvl="2" indent="-285750">
-              <a:buFont typeface="Arial" panose="020B0604020202020204" pitchFamily="34" charset="0"/>
-              <a:buChar char="•"/>
-            </a:pPr>
-            <a:r>
-              <a:rPr lang="en-US" sz="2000" dirty="0">
-                <a:latin typeface="Calibri" panose="020F0502020204030204" pitchFamily="34" charset="0"/>
-                <a:ea typeface="Calibri" panose="020F0502020204030204" pitchFamily="34" charset="0"/>
-                <a:cs typeface="Calibri" panose="020F0502020204030204" pitchFamily="34" charset="0"/>
-              </a:rPr>
-              <a:t>Design</a:t>
-            </a:r>
-          </a:p>
-          <a:p>
-            <a:pPr marL="1200150" lvl="2" indent="-285750">
-              <a:buFont typeface="Arial" panose="020B0604020202020204" pitchFamily="34" charset="0"/>
-              <a:buChar char="•"/>
-            </a:pPr>
-            <a:r>
-              <a:rPr lang="en-US" sz="2000" dirty="0">
-                <a:latin typeface="Calibri" panose="020F0502020204030204" pitchFamily="34" charset="0"/>
-                <a:ea typeface="Calibri" panose="020F0502020204030204" pitchFamily="34" charset="0"/>
-                <a:cs typeface="Calibri" panose="020F0502020204030204" pitchFamily="34" charset="0"/>
-              </a:rPr>
-              <a:t>Testbench</a:t>
-            </a:r>
-          </a:p>
-          <a:p>
-            <a:pPr marL="742950" lvl="1" indent="-285750" algn="l">
-              <a:buFont typeface="Wingdings" panose="05000000000000000000" pitchFamily="2" charset="2"/>
-              <a:buChar char="Ø"/>
-            </a:pPr>
-            <a:r>
-              <a:rPr lang="en-US" sz="2000" dirty="0">
-                <a:latin typeface="Calibri" panose="020F0502020204030204" pitchFamily="34" charset="0"/>
-                <a:ea typeface="Calibri" panose="020F0502020204030204" pitchFamily="34" charset="0"/>
-                <a:cs typeface="Calibri" panose="020F0502020204030204" pitchFamily="34" charset="0"/>
-              </a:rPr>
-              <a:t>Source level simulation</a:t>
-            </a:r>
-          </a:p>
-          <a:p>
-            <a:pPr marL="1200150" lvl="2" indent="-285750">
-              <a:buFont typeface="Arial" panose="020B0604020202020204" pitchFamily="34" charset="0"/>
-              <a:buChar char="•"/>
-            </a:pPr>
-            <a:r>
-              <a:rPr lang="en-US" sz="2000" dirty="0">
-                <a:latin typeface="Calibri" panose="020F0502020204030204" pitchFamily="34" charset="0"/>
-                <a:ea typeface="Calibri" panose="020F0502020204030204" pitchFamily="34" charset="0"/>
-                <a:cs typeface="Calibri" panose="020F0502020204030204" pitchFamily="34" charset="0"/>
-              </a:rPr>
-              <a:t>sample of the regression</a:t>
-            </a:r>
-          </a:p>
-          <a:p>
-            <a:pPr marL="1200150" lvl="2" indent="-285750">
-              <a:buFont typeface="Arial" panose="020B0604020202020204" pitchFamily="34" charset="0"/>
-              <a:buChar char="•"/>
-            </a:pPr>
-            <a:r>
-              <a:rPr lang="en-US" sz="2000" dirty="0">
-                <a:latin typeface="Calibri" panose="020F0502020204030204" pitchFamily="34" charset="0"/>
-                <a:ea typeface="Calibri" panose="020F0502020204030204" pitchFamily="34" charset="0"/>
-                <a:cs typeface="Calibri" panose="020F0502020204030204" pitchFamily="34" charset="0"/>
-              </a:rPr>
-              <a:t>Sample waveforms</a:t>
-            </a:r>
-          </a:p>
-          <a:p>
-            <a:pPr marL="742950" lvl="1" indent="-285750" algn="l">
-              <a:buFont typeface="Wingdings" panose="05000000000000000000" pitchFamily="2" charset="2"/>
-              <a:buChar char="Ø"/>
-            </a:pPr>
-            <a:r>
-              <a:rPr lang="en-US" sz="2000" dirty="0">
-                <a:latin typeface="Calibri" panose="020F0502020204030204" pitchFamily="34" charset="0"/>
-                <a:ea typeface="Calibri" panose="020F0502020204030204" pitchFamily="34" charset="0"/>
-                <a:cs typeface="Calibri" panose="020F0502020204030204" pitchFamily="34" charset="0"/>
-              </a:rPr>
-              <a:t>Gate level simulation</a:t>
-            </a:r>
-          </a:p>
-          <a:p>
-            <a:pPr marL="1200150" lvl="2" indent="-285750">
-              <a:buFont typeface="Arial" panose="020B0604020202020204" pitchFamily="34" charset="0"/>
-              <a:buChar char="•"/>
-            </a:pPr>
-            <a:r>
-              <a:rPr lang="en-US" sz="2000" dirty="0">
-                <a:latin typeface="Calibri" panose="020F0502020204030204" pitchFamily="34" charset="0"/>
-                <a:ea typeface="Calibri" panose="020F0502020204030204" pitchFamily="34" charset="0"/>
-                <a:cs typeface="Calibri" panose="020F0502020204030204" pitchFamily="34" charset="0"/>
-              </a:rPr>
-              <a:t>sample of the regression</a:t>
-            </a:r>
-          </a:p>
-          <a:p>
-            <a:pPr marL="1200150" lvl="2" indent="-285750">
-              <a:buFont typeface="Arial" panose="020B0604020202020204" pitchFamily="34" charset="0"/>
-              <a:buChar char="•"/>
-            </a:pPr>
-            <a:r>
-              <a:rPr lang="en-US" sz="2000" dirty="0">
-                <a:latin typeface="Calibri" panose="020F0502020204030204" pitchFamily="34" charset="0"/>
-                <a:ea typeface="Calibri" panose="020F0502020204030204" pitchFamily="34" charset="0"/>
-                <a:cs typeface="Calibri" panose="020F0502020204030204" pitchFamily="34" charset="0"/>
-              </a:rPr>
-              <a:t>Sample waveforms</a:t>
-            </a:r>
-          </a:p>
-          <a:p>
-            <a:pPr marL="742950" lvl="1" indent="-285750" algn="l">
-              <a:buFont typeface="Wingdings" panose="05000000000000000000" pitchFamily="2" charset="2"/>
-              <a:buChar char="Ø"/>
-            </a:pPr>
-            <a:r>
-              <a:rPr lang="en-US" sz="2000" dirty="0">
-                <a:latin typeface="Calibri" panose="020F0502020204030204" pitchFamily="34" charset="0"/>
-                <a:ea typeface="Calibri" panose="020F0502020204030204" pitchFamily="34" charset="0"/>
-                <a:cs typeface="Calibri" panose="020F0502020204030204" pitchFamily="34" charset="0"/>
-              </a:rPr>
-              <a:t>Synthesis</a:t>
-            </a:r>
-          </a:p>
-          <a:p>
-            <a:pPr marL="1200150" lvl="2" indent="-285750">
-              <a:buFont typeface="Arial" panose="020B0604020202020204" pitchFamily="34" charset="0"/>
-              <a:buChar char="•"/>
-            </a:pPr>
-            <a:r>
-              <a:rPr lang="en-US" sz="2000" dirty="0">
-                <a:latin typeface="Calibri" panose="020F0502020204030204" pitchFamily="34" charset="0"/>
-                <a:ea typeface="Calibri" panose="020F0502020204030204" pitchFamily="34" charset="0"/>
-                <a:cs typeface="Calibri" panose="020F0502020204030204" pitchFamily="34" charset="0"/>
-              </a:rPr>
-              <a:t>Area</a:t>
-            </a:r>
-          </a:p>
-          <a:p>
-            <a:pPr marL="1200150" lvl="2" indent="-285750">
-              <a:buFont typeface="Arial" panose="020B0604020202020204" pitchFamily="34" charset="0"/>
-              <a:buChar char="•"/>
-            </a:pPr>
-            <a:r>
-              <a:rPr lang="en-US" sz="2000" dirty="0">
-                <a:latin typeface="Calibri" panose="020F0502020204030204" pitchFamily="34" charset="0"/>
-                <a:ea typeface="Calibri" panose="020F0502020204030204" pitchFamily="34" charset="0"/>
-                <a:cs typeface="Calibri" panose="020F0502020204030204" pitchFamily="34" charset="0"/>
-              </a:rPr>
-              <a:t>Timing report</a:t>
-            </a:r>
-          </a:p>
-          <a:p>
-            <a:pPr lvl="2"/>
-            <a:endParaRPr lang="en-US" sz="2000" dirty="0">
-              <a:latin typeface="Calibri" panose="020F0502020204030204" pitchFamily="34" charset="0"/>
-              <a:ea typeface="Calibri" panose="020F0502020204030204" pitchFamily="34" charset="0"/>
-              <a:cs typeface="Calibri" panose="020F0502020204030204" pitchFamily="34" charset="0"/>
-            </a:endParaRPr>
-          </a:p>
-        </p:txBody>
-      </p:sp>
-      <p:sp>
-        <p:nvSpPr>
-          <p:cNvPr id="3" name="תיבת טקסט 2">
-            <a:extLst>
-              <a:ext uri="{FF2B5EF4-FFF2-40B4-BE49-F238E27FC236}">
-                <a16:creationId xmlns:a16="http://schemas.microsoft.com/office/drawing/2014/main" id="{EF795781-2A13-79F9-87F3-883FCB6008CB}"/>
-              </a:ext>
-            </a:extLst>
-          </p:cNvPr>
-          <p:cNvSpPr txBox="1"/>
-          <p:nvPr/>
-        </p:nvSpPr>
-        <p:spPr>
-          <a:xfrm>
-            <a:off x="6402372" y="1240736"/>
-            <a:ext cx="4835949" cy="3477875"/>
-          </a:xfrm>
-          <a:prstGeom prst="rect">
-            <a:avLst/>
-          </a:prstGeom>
-          <a:noFill/>
-        </p:spPr>
-        <p:txBody>
-          <a:bodyPr wrap="square" rtlCol="1">
-            <a:spAutoFit/>
-          </a:bodyPr>
-          <a:lstStyle/>
-          <a:p>
-            <a:pPr algn="l"/>
-            <a:endParaRPr lang="he-IL" sz="2000" dirty="0"/>
-          </a:p>
-          <a:p>
-            <a:pPr marL="742950" lvl="1" indent="-285750" algn="l">
-              <a:buFont typeface="Wingdings" panose="05000000000000000000" pitchFamily="2" charset="2"/>
-              <a:buChar char="Ø"/>
-            </a:pPr>
-            <a:r>
-              <a:rPr lang="en-US" sz="2000" dirty="0">
-                <a:latin typeface="Calibri" panose="020F0502020204030204" pitchFamily="34" charset="0"/>
-                <a:ea typeface="Calibri" panose="020F0502020204030204" pitchFamily="34" charset="0"/>
-                <a:cs typeface="Calibri" panose="020F0502020204030204" pitchFamily="34" charset="0"/>
-              </a:rPr>
-              <a:t>Place &amp; route</a:t>
-            </a:r>
-          </a:p>
-          <a:p>
-            <a:pPr marL="1200150" lvl="2" indent="-285750">
-              <a:buFont typeface="Arial" panose="020B0604020202020204" pitchFamily="34" charset="0"/>
-              <a:buChar char="•"/>
-            </a:pPr>
-            <a:r>
-              <a:rPr lang="en-US" sz="2000" dirty="0">
-                <a:latin typeface="Calibri" panose="020F0502020204030204" pitchFamily="34" charset="0"/>
-                <a:ea typeface="Calibri" panose="020F0502020204030204" pitchFamily="34" charset="0"/>
-                <a:cs typeface="Calibri" panose="020F0502020204030204" pitchFamily="34" charset="0"/>
-              </a:rPr>
-              <a:t>Area</a:t>
-            </a:r>
-          </a:p>
-          <a:p>
-            <a:pPr marL="1200150" lvl="2" indent="-285750">
-              <a:buFont typeface="Arial" panose="020B0604020202020204" pitchFamily="34" charset="0"/>
-              <a:buChar char="•"/>
-            </a:pPr>
-            <a:r>
-              <a:rPr lang="en-US" sz="2000" dirty="0">
-                <a:latin typeface="Calibri" panose="020F0502020204030204" pitchFamily="34" charset="0"/>
-                <a:ea typeface="Calibri" panose="020F0502020204030204" pitchFamily="34" charset="0"/>
-                <a:cs typeface="Calibri" panose="020F0502020204030204" pitchFamily="34" charset="0"/>
-              </a:rPr>
-              <a:t>Timing report</a:t>
-            </a:r>
-          </a:p>
-          <a:p>
-            <a:pPr marL="1200150" lvl="2" indent="-285750">
-              <a:buFont typeface="Arial" panose="020B0604020202020204" pitchFamily="34" charset="0"/>
-              <a:buChar char="•"/>
-            </a:pPr>
-            <a:r>
-              <a:rPr lang="en-US" sz="2000" dirty="0">
-                <a:latin typeface="Calibri" panose="020F0502020204030204" pitchFamily="34" charset="0"/>
-                <a:ea typeface="Calibri" panose="020F0502020204030204" pitchFamily="34" charset="0"/>
-                <a:cs typeface="Calibri" panose="020F0502020204030204" pitchFamily="34" charset="0"/>
-              </a:rPr>
-              <a:t>I\O report</a:t>
-            </a:r>
-          </a:p>
-          <a:p>
-            <a:pPr marL="1200150" lvl="2" indent="-285750">
-              <a:buFont typeface="Arial" panose="020B0604020202020204" pitchFamily="34" charset="0"/>
-              <a:buChar char="•"/>
-            </a:pPr>
-            <a:r>
-              <a:rPr lang="en-US" sz="2000" dirty="0">
-                <a:latin typeface="Calibri" panose="020F0502020204030204" pitchFamily="34" charset="0"/>
-                <a:ea typeface="Calibri" panose="020F0502020204030204" pitchFamily="34" charset="0"/>
-                <a:cs typeface="Calibri" panose="020F0502020204030204" pitchFamily="34" charset="0"/>
-              </a:rPr>
-              <a:t>Screenshot of the chip view</a:t>
-            </a:r>
-          </a:p>
-          <a:p>
-            <a:pPr marL="742950" lvl="1" indent="-285750" algn="l">
-              <a:buFont typeface="Wingdings" panose="05000000000000000000" pitchFamily="2" charset="2"/>
-              <a:buChar char="Ø"/>
-            </a:pPr>
-            <a:r>
-              <a:rPr lang="en-US" sz="2000" dirty="0">
-                <a:latin typeface="Calibri" panose="020F0502020204030204" pitchFamily="34" charset="0"/>
-                <a:ea typeface="Calibri" panose="020F0502020204030204" pitchFamily="34" charset="0"/>
-                <a:cs typeface="Calibri" panose="020F0502020204030204" pitchFamily="34" charset="0"/>
-              </a:rPr>
-              <a:t>Final results</a:t>
-            </a:r>
-          </a:p>
-          <a:p>
-            <a:pPr marL="1200150" lvl="2" indent="-285750">
-              <a:buFont typeface="Arial" panose="020B0604020202020204" pitchFamily="34" charset="0"/>
-              <a:buChar char="•"/>
-            </a:pPr>
-            <a:r>
-              <a:rPr lang="en-US" sz="2000" dirty="0">
-                <a:latin typeface="Calibri" panose="020F0502020204030204" pitchFamily="34" charset="0"/>
-                <a:ea typeface="Calibri" panose="020F0502020204030204" pitchFamily="34" charset="0"/>
-                <a:cs typeface="Calibri" panose="020F0502020204030204" pitchFamily="34" charset="0"/>
-              </a:rPr>
-              <a:t>final chip and it’s utilization</a:t>
-            </a:r>
-          </a:p>
-          <a:p>
-            <a:pPr marL="1200150" lvl="2" indent="-285750">
-              <a:buFont typeface="Arial" panose="020B0604020202020204" pitchFamily="34" charset="0"/>
-              <a:buChar char="•"/>
-            </a:pPr>
-            <a:r>
-              <a:rPr lang="en-US" sz="2000" dirty="0">
-                <a:latin typeface="Calibri" panose="020F0502020204030204" pitchFamily="34" charset="0"/>
-                <a:ea typeface="Calibri" panose="020F0502020204030204" pitchFamily="34" charset="0"/>
-                <a:cs typeface="Calibri" panose="020F0502020204030204" pitchFamily="34" charset="0"/>
-              </a:rPr>
-              <a:t>final frequency reported by Vivado</a:t>
-            </a:r>
-          </a:p>
-          <a:p>
-            <a:pPr marL="1200150" lvl="2" indent="-285750">
-              <a:buFont typeface="Arial" panose="020B0604020202020204" pitchFamily="34" charset="0"/>
-              <a:buChar char="•"/>
-            </a:pPr>
-            <a:r>
-              <a:rPr lang="en-US" sz="2000" dirty="0">
-                <a:latin typeface="Calibri" panose="020F0502020204030204" pitchFamily="34" charset="0"/>
-                <a:ea typeface="Calibri" panose="020F0502020204030204" pitchFamily="34" charset="0"/>
-                <a:cs typeface="Calibri" panose="020F0502020204030204" pitchFamily="34" charset="0"/>
-              </a:rPr>
-              <a:t>the possible throughput</a:t>
-            </a:r>
-            <a:endParaRPr lang="he-IL" sz="2000" dirty="0">
-              <a:latin typeface="Calibri" panose="020F0502020204030204" pitchFamily="34" charset="0"/>
-              <a:ea typeface="Calibri" panose="020F0502020204030204" pitchFamily="34" charset="0"/>
-              <a:cs typeface="Calibri" panose="020F0502020204030204" pitchFamily="34" charset="0"/>
-            </a:endParaRPr>
-          </a:p>
-        </p:txBody>
-      </p:sp>
-      <p:sp>
-        <p:nvSpPr>
-          <p:cNvPr id="4" name="תיבת טקסט 3">
-            <a:extLst>
-              <a:ext uri="{FF2B5EF4-FFF2-40B4-BE49-F238E27FC236}">
-                <a16:creationId xmlns:a16="http://schemas.microsoft.com/office/drawing/2014/main" id="{C2F71B78-B37B-EA57-34FC-0503420E4390}"/>
-              </a:ext>
-            </a:extLst>
-          </p:cNvPr>
-          <p:cNvSpPr txBox="1"/>
-          <p:nvPr/>
-        </p:nvSpPr>
-        <p:spPr>
-          <a:xfrm>
-            <a:off x="5403131" y="489733"/>
-            <a:ext cx="1583704" cy="738664"/>
-          </a:xfrm>
-          <a:prstGeom prst="rect">
-            <a:avLst/>
-          </a:prstGeom>
-          <a:noFill/>
-        </p:spPr>
-        <p:txBody>
-          <a:bodyPr wrap="square" rtlCol="1">
-            <a:spAutoFit/>
-          </a:bodyPr>
-          <a:lstStyle/>
-          <a:p>
-            <a:r>
-              <a:rPr lang="en-US" sz="2400" b="1" u="sng" dirty="0">
-                <a:latin typeface="Calibri" panose="020F0502020204030204" pitchFamily="34" charset="0"/>
-                <a:ea typeface="Calibri" panose="020F0502020204030204" pitchFamily="34" charset="0"/>
-                <a:cs typeface="Calibri" panose="020F0502020204030204" pitchFamily="34" charset="0"/>
-              </a:rPr>
-              <a:t>Overview</a:t>
-            </a:r>
-            <a:endParaRPr lang="he-IL" sz="1800" b="1" u="sng" dirty="0">
-              <a:latin typeface="Calibri" panose="020F0502020204030204" pitchFamily="34" charset="0"/>
-              <a:ea typeface="Calibri" panose="020F0502020204030204" pitchFamily="34" charset="0"/>
-              <a:cs typeface="Calibri" panose="020F0502020204030204" pitchFamily="34" charset="0"/>
-            </a:endParaRPr>
-          </a:p>
-          <a:p>
-            <a:endParaRPr lang="he-IL" dirty="0"/>
-          </a:p>
-        </p:txBody>
-      </p:sp>
-    </p:spTree>
-    <p:extLst>
-      <p:ext uri="{BB962C8B-B14F-4D97-AF65-F5344CB8AC3E}">
-        <p14:creationId xmlns:p14="http://schemas.microsoft.com/office/powerpoint/2010/main" val="809986611"/>
-      </p:ext>
-    </p:extLst>
-  </p:cSld>
-  <p:clrMapOvr>
-    <a:masterClrMapping/>
-  </p:clrMapOvr>
-</p:sld>
-</file>
-
-<file path=ppt/slides/slide20.xml><?xml version="1.0" encoding="utf-8"?>
-<p:sld xmlns:a="http://schemas.openxmlformats.org/drawingml/2006/main" xmlns:r="http://schemas.openxmlformats.org/officeDocument/2006/relationships" xmlns:p="http://schemas.openxmlformats.org/presentationml/2006/main">
-  <p:cSld>
-    <p:spTree>
-      <p:nvGrpSpPr>
-        <p:cNvPr id="1" name=""/>
-        <p:cNvGrpSpPr/>
-        <p:nvPr/>
-      </p:nvGrpSpPr>
-      <p:grpSpPr>
-        <a:xfrm>
-          <a:off x="0" y="0"/>
-          <a:ext cx="0" cy="0"/>
-          <a:chOff x="0" y="0"/>
-          <a:chExt cx="0" cy="0"/>
-        </a:xfrm>
-      </p:grpSpPr>
-      <p:sp>
-        <p:nvSpPr>
           <p:cNvPr id="4" name="תיבת טקסט 3">
             <a:extLst>
               <a:ext uri="{FF2B5EF4-FFF2-40B4-BE49-F238E27FC236}">
@@ -8824,7 +8968,7 @@
         </p:nvSpPr>
         <p:spPr>
           <a:xfrm>
-            <a:off x="1179871" y="1111044"/>
+            <a:off x="1002580" y="1117709"/>
             <a:ext cx="4208206" cy="369332"/>
           </a:xfrm>
           <a:prstGeom prst="rect">
@@ -8861,7 +9005,7 @@
         <p:spPr>
           <a:xfrm>
             <a:off x="1071717" y="1664663"/>
-            <a:ext cx="2893741" cy="369332"/>
+            <a:ext cx="2957861" cy="369332"/>
           </a:xfrm>
           <a:prstGeom prst="rect">
             <a:avLst/>
@@ -8876,7 +9020,7 @@
           <a:p>
             <a:r>
               <a:rPr lang="en-US" dirty="0"/>
-              <a:t>final frequency: 100M </a:t>
+              <a:t>final frequency: 29.8M </a:t>
             </a:r>
             <a:r>
               <a:rPr lang="en-US" dirty="0" err="1"/>
@@ -8903,7 +9047,7 @@
             <p:spPr>
               <a:xfrm>
                 <a:off x="1002580" y="2389239"/>
-                <a:ext cx="4562788" cy="485774"/>
+                <a:ext cx="4824078" cy="485774"/>
               </a:xfrm>
               <a:prstGeom prst="rect">
                 <a:avLst/>
@@ -8955,7 +9099,19 @@
                           <a:rPr lang="en-US" b="0" i="1" smtClean="0">
                             <a:latin typeface="Cambria Math" panose="02040503050406030204" pitchFamily="18" charset="0"/>
                           </a:rPr>
-                          <m:t>10</m:t>
+                          <m:t>33</m:t>
+                        </m:r>
+                        <m:r>
+                          <a:rPr lang="en-US" b="0" i="1" smtClean="0">
+                            <a:latin typeface="Cambria Math" panose="02040503050406030204" pitchFamily="18" charset="0"/>
+                          </a:rPr>
+                          <m:t>.</m:t>
+                        </m:r>
+                        <m:r>
+                          <a:rPr lang="en-US" b="0" i="1" smtClean="0">
+                            <a:latin typeface="Cambria Math" panose="02040503050406030204" pitchFamily="18" charset="0"/>
+                          </a:rPr>
+                          <m:t>5</m:t>
                         </m:r>
                         <m:r>
                           <a:rPr lang="en-US" b="0" i="1" smtClean="0">
@@ -8975,7 +9131,7 @@
                       <a:rPr lang="en-US" b="0" i="1" smtClean="0">
                         <a:latin typeface="Cambria Math" panose="02040503050406030204" pitchFamily="18" charset="0"/>
                       </a:rPr>
-                      <m:t>6</m:t>
+                      <m:t>1</m:t>
                     </m:r>
                     <m:r>
                       <a:rPr lang="en-US" b="0" i="1" smtClean="0">
@@ -8987,7 +9143,7 @@
                       <a:rPr lang="en-US" b="0" i="1" smtClean="0">
                         <a:latin typeface="Cambria Math" panose="02040503050406030204" pitchFamily="18" charset="0"/>
                       </a:rPr>
-                      <m:t>4</m:t>
+                      <m:t>91</m:t>
                     </m:r>
                     <m:r>
                       <a:rPr lang="en-US" b="0" i="1" smtClean="0">
@@ -9044,7 +9200,7 @@
             <p:spPr>
               <a:xfrm>
                 <a:off x="1002580" y="2389239"/>
-                <a:ext cx="4562788" cy="485774"/>
+                <a:ext cx="4824078" cy="485774"/>
               </a:xfrm>
               <a:prstGeom prst="rect">
                 <a:avLst/>
@@ -9052,7 +9208,7 @@
               <a:blipFill>
                 <a:blip r:embed="rId2"/>
                 <a:stretch>
-                  <a:fillRect l="-1068" b="-5000"/>
+                  <a:fillRect l="-1010" b="-5000"/>
                 </a:stretch>
               </a:blipFill>
             </p:spPr>

--- a/הגשה/מצגת_סוף_קורס-_ורילוג.pptx
+++ b/הגשה/מצגת_סוף_קורס-_ורילוג.pptx
@@ -9030,8 +9030,8 @@
           </a:p>
         </p:txBody>
       </p:sp>
-      <mc:AlternateContent xmlns:mc="http://schemas.openxmlformats.org/markup-compatibility/2006">
-        <mc:Choice xmlns:a14="http://schemas.microsoft.com/office/drawing/2010/main" Requires="a14">
+      <mc:AlternateContent xmlns:mc="http://schemas.openxmlformats.org/markup-compatibility/2006" xmlns:a14="http://schemas.microsoft.com/office/drawing/2010/main">
+        <mc:Choice Requires="a14">
           <p:sp>
             <p:nvSpPr>
               <p:cNvPr id="7" name="תיבת טקסט 6">
@@ -9182,7 +9182,7 @@
             </p:txBody>
           </p:sp>
         </mc:Choice>
-        <mc:Fallback>
+        <mc:Fallback xmlns="">
           <p:sp>
             <p:nvSpPr>
               <p:cNvPr id="7" name="תיבת טקסט 6">
@@ -9299,2994 +9299,6 @@
           </a:p>
         </p:txBody>
       </p:sp>
-      <p:graphicFrame>
-        <p:nvGraphicFramePr>
-          <p:cNvPr id="4" name="טבלה 3">
-            <a:extLst>
-              <a:ext uri="{FF2B5EF4-FFF2-40B4-BE49-F238E27FC236}">
-                <a16:creationId xmlns:a16="http://schemas.microsoft.com/office/drawing/2014/main" id="{D6EEEF59-8C84-402A-7B4A-E2DCF31289E6}"/>
-              </a:ext>
-            </a:extLst>
-          </p:cNvPr>
-          <p:cNvGraphicFramePr>
-            <a:graphicFrameLocks noGrp="1"/>
-          </p:cNvGraphicFramePr>
-          <p:nvPr>
-            <p:extLst>
-              <p:ext uri="{D42A27DB-BD31-4B8C-83A1-F6EECF244321}">
-                <p14:modId xmlns:p14="http://schemas.microsoft.com/office/powerpoint/2010/main" val="336071800"/>
-              </p:ext>
-            </p:extLst>
-          </p:nvPr>
-        </p:nvGraphicFramePr>
-        <p:xfrm>
-          <a:off x="864909" y="1335934"/>
-          <a:ext cx="10462182" cy="4899896"/>
-        </p:xfrm>
-        <a:graphic>
-          <a:graphicData uri="http://schemas.openxmlformats.org/drawingml/2006/table">
-            <a:tbl>
-              <a:tblPr/>
-              <a:tblGrid>
-                <a:gridCol w="2545234">
-                  <a:extLst>
-                    <a:ext uri="{9D8B030D-6E8A-4147-A177-3AD203B41FA5}">
-                      <a16:colId xmlns:a16="http://schemas.microsoft.com/office/drawing/2014/main" val="3364938208"/>
-                    </a:ext>
-                  </a:extLst>
-                </a:gridCol>
-                <a:gridCol w="4218621">
-                  <a:extLst>
-                    <a:ext uri="{9D8B030D-6E8A-4147-A177-3AD203B41FA5}">
-                      <a16:colId xmlns:a16="http://schemas.microsoft.com/office/drawing/2014/main" val="368458446"/>
-                    </a:ext>
-                  </a:extLst>
-                </a:gridCol>
-                <a:gridCol w="3698327">
-                  <a:extLst>
-                    <a:ext uri="{9D8B030D-6E8A-4147-A177-3AD203B41FA5}">
-                      <a16:colId xmlns:a16="http://schemas.microsoft.com/office/drawing/2014/main" val="475765993"/>
-                    </a:ext>
-                  </a:extLst>
-                </a:gridCol>
-              </a:tblGrid>
-              <a:tr h="329033">
-                <a:tc>
-                  <a:txBody>
-                    <a:bodyPr/>
-                    <a:lstStyle/>
-                    <a:p>
-                      <a:pPr rtl="0" fontAlgn="ctr"/>
-                      <a:r>
-                        <a:rPr lang="en-US" sz="800" b="0">
-                          <a:solidFill>
-                            <a:srgbClr val="FFFFFF"/>
-                          </a:solidFill>
-                          <a:effectLst/>
-                          <a:highlight>
-                            <a:srgbClr val="356854"/>
-                          </a:highlight>
-                          <a:latin typeface="Roboto" panose="02000000000000000000" pitchFamily="2" charset="0"/>
-                        </a:rPr>
-                        <a:t>Type of work</a:t>
-                      </a:r>
-                    </a:p>
-                  </a:txBody>
-                  <a:tcPr marL="28543" marR="28543" marT="7136" marB="7136" anchor="ctr">
-                    <a:lnL w="7620" cap="flat" cmpd="sng" algn="ctr">
-                      <a:solidFill>
-                        <a:srgbClr val="284E3F"/>
-                      </a:solidFill>
-                      <a:prstDash val="solid"/>
-                      <a:round/>
-                      <a:headEnd type="none" w="med" len="med"/>
-                      <a:tailEnd type="none" w="med" len="med"/>
-                    </a:lnL>
-                    <a:lnR w="7620" cap="flat" cmpd="sng" algn="ctr">
-                      <a:solidFill>
-                        <a:srgbClr val="CCCCCC"/>
-                      </a:solidFill>
-                      <a:prstDash val="solid"/>
-                      <a:round/>
-                      <a:headEnd type="none" w="med" len="med"/>
-                      <a:tailEnd type="none" w="med" len="med"/>
-                    </a:lnR>
-                    <a:lnT w="7620" cap="flat" cmpd="sng" algn="ctr">
-                      <a:solidFill>
-                        <a:srgbClr val="284E3F"/>
-                      </a:solidFill>
-                      <a:prstDash val="solid"/>
-                      <a:round/>
-                      <a:headEnd type="none" w="med" len="med"/>
-                      <a:tailEnd type="none" w="med" len="med"/>
-                    </a:lnT>
-                    <a:lnB w="7620" cap="flat" cmpd="sng" algn="ctr">
-                      <a:solidFill>
-                        <a:srgbClr val="CCCCCC"/>
-                      </a:solidFill>
-                      <a:prstDash val="solid"/>
-                      <a:round/>
-                      <a:headEnd type="none" w="med" len="med"/>
-                      <a:tailEnd type="none" w="med" len="med"/>
-                    </a:lnB>
-                    <a:solidFill>
-                      <a:srgbClr val="356854"/>
-                    </a:solidFill>
-                  </a:tcPr>
-                </a:tc>
-                <a:tc>
-                  <a:txBody>
-                    <a:bodyPr/>
-                    <a:lstStyle/>
-                    <a:p>
-                      <a:pPr rtl="0" fontAlgn="ctr"/>
-                      <a:r>
-                        <a:rPr lang="en-US" sz="800" b="0" dirty="0">
-                          <a:solidFill>
-                            <a:srgbClr val="FFFFFF"/>
-                          </a:solidFill>
-                          <a:effectLst/>
-                          <a:highlight>
-                            <a:srgbClr val="356854"/>
-                          </a:highlight>
-                          <a:latin typeface="Roboto" panose="02000000000000000000" pitchFamily="2" charset="0"/>
-                        </a:rPr>
-                        <a:t>Task</a:t>
-                      </a:r>
-                    </a:p>
-                  </a:txBody>
-                  <a:tcPr marL="28543" marR="28543" marT="7136" marB="7136" anchor="ctr">
-                    <a:lnL w="7620" cap="flat" cmpd="sng" algn="ctr">
-                      <a:solidFill>
-                        <a:srgbClr val="CCCCCC"/>
-                      </a:solidFill>
-                      <a:prstDash val="solid"/>
-                      <a:round/>
-                      <a:headEnd type="none" w="med" len="med"/>
-                      <a:tailEnd type="none" w="med" len="med"/>
-                    </a:lnL>
-                    <a:lnR w="7620" cap="flat" cmpd="sng" algn="ctr">
-                      <a:solidFill>
-                        <a:srgbClr val="CCCCCC"/>
-                      </a:solidFill>
-                      <a:prstDash val="solid"/>
-                      <a:round/>
-                      <a:headEnd type="none" w="med" len="med"/>
-                      <a:tailEnd type="none" w="med" len="med"/>
-                    </a:lnR>
-                    <a:lnT w="7620" cap="flat" cmpd="sng" algn="ctr">
-                      <a:solidFill>
-                        <a:srgbClr val="284E3F"/>
-                      </a:solidFill>
-                      <a:prstDash val="solid"/>
-                      <a:round/>
-                      <a:headEnd type="none" w="med" len="med"/>
-                      <a:tailEnd type="none" w="med" len="med"/>
-                    </a:lnT>
-                    <a:lnB w="7620" cap="flat" cmpd="sng" algn="ctr">
-                      <a:solidFill>
-                        <a:srgbClr val="CCCCCC"/>
-                      </a:solidFill>
-                      <a:prstDash val="solid"/>
-                      <a:round/>
-                      <a:headEnd type="none" w="med" len="med"/>
-                      <a:tailEnd type="none" w="med" len="med"/>
-                    </a:lnB>
-                    <a:solidFill>
-                      <a:srgbClr val="356854"/>
-                    </a:solidFill>
-                  </a:tcPr>
-                </a:tc>
-                <a:tc>
-                  <a:txBody>
-                    <a:bodyPr/>
-                    <a:lstStyle/>
-                    <a:p>
-                      <a:pPr rtl="0" fontAlgn="ctr"/>
-                      <a:r>
-                        <a:rPr lang="en-US" sz="800" b="0">
-                          <a:solidFill>
-                            <a:srgbClr val="FFFFFF"/>
-                          </a:solidFill>
-                          <a:effectLst/>
-                          <a:highlight>
-                            <a:srgbClr val="356854"/>
-                          </a:highlight>
-                          <a:latin typeface="Roboto" panose="02000000000000000000" pitchFamily="2" charset="0"/>
-                        </a:rPr>
-                        <a:t>Owner</a:t>
-                      </a:r>
-                    </a:p>
-                  </a:txBody>
-                  <a:tcPr marL="28543" marR="28543" marT="7136" marB="7136" anchor="ctr">
-                    <a:lnL w="7620" cap="flat" cmpd="sng" algn="ctr">
-                      <a:solidFill>
-                        <a:srgbClr val="CCCCCC"/>
-                      </a:solidFill>
-                      <a:prstDash val="solid"/>
-                      <a:round/>
-                      <a:headEnd type="none" w="med" len="med"/>
-                      <a:tailEnd type="none" w="med" len="med"/>
-                    </a:lnL>
-                    <a:lnR w="7620" cap="flat" cmpd="sng" algn="ctr">
-                      <a:solidFill>
-                        <a:srgbClr val="284E3F"/>
-                      </a:solidFill>
-                      <a:prstDash val="solid"/>
-                      <a:round/>
-                      <a:headEnd type="none" w="med" len="med"/>
-                      <a:tailEnd type="none" w="med" len="med"/>
-                    </a:lnR>
-                    <a:lnT w="7620" cap="flat" cmpd="sng" algn="ctr">
-                      <a:solidFill>
-                        <a:srgbClr val="284E3F"/>
-                      </a:solidFill>
-                      <a:prstDash val="solid"/>
-                      <a:round/>
-                      <a:headEnd type="none" w="med" len="med"/>
-                      <a:tailEnd type="none" w="med" len="med"/>
-                    </a:lnT>
-                    <a:lnB w="7620" cap="flat" cmpd="sng" algn="ctr">
-                      <a:solidFill>
-                        <a:srgbClr val="CCCCCC"/>
-                      </a:solidFill>
-                      <a:prstDash val="solid"/>
-                      <a:round/>
-                      <a:headEnd type="none" w="med" len="med"/>
-                      <a:tailEnd type="none" w="med" len="med"/>
-                    </a:lnB>
-                    <a:solidFill>
-                      <a:srgbClr val="356854"/>
-                    </a:solidFill>
-                  </a:tcPr>
-                </a:tc>
-                <a:extLst>
-                  <a:ext uri="{0D108BD9-81ED-4DB2-BD59-A6C34878D82A}">
-                    <a16:rowId xmlns:a16="http://schemas.microsoft.com/office/drawing/2014/main" val="3872357049"/>
-                  </a:ext>
-                </a:extLst>
-              </a:tr>
-              <a:tr h="315805">
-                <a:tc>
-                  <a:txBody>
-                    <a:bodyPr/>
-                    <a:lstStyle/>
-                    <a:p>
-                      <a:pPr rtl="0" fontAlgn="ctr"/>
-                      <a:r>
-                        <a:rPr lang="en-US" sz="800" b="0">
-                          <a:solidFill>
-                            <a:srgbClr val="434343"/>
-                          </a:solidFill>
-                          <a:effectLst/>
-                          <a:highlight>
-                            <a:srgbClr val="FFFFFF"/>
-                          </a:highlight>
-                          <a:latin typeface="Roboto" panose="02000000000000000000" pitchFamily="2" charset="0"/>
-                        </a:rPr>
-                        <a:t>Result</a:t>
-                      </a:r>
-                    </a:p>
-                  </a:txBody>
-                  <a:tcPr marL="28543" marR="28543" marT="7136" marB="7136" anchor="ctr">
-                    <a:lnL w="7620" cap="flat" cmpd="sng" algn="ctr">
-                      <a:solidFill>
-                        <a:srgbClr val="284E3F"/>
-                      </a:solidFill>
-                      <a:prstDash val="solid"/>
-                      <a:round/>
-                      <a:headEnd type="none" w="med" len="med"/>
-                      <a:tailEnd type="none" w="med" len="med"/>
-                    </a:lnL>
-                    <a:lnR w="7620" cap="flat" cmpd="sng" algn="ctr">
-                      <a:solidFill>
-                        <a:srgbClr val="CCCCCC"/>
-                      </a:solidFill>
-                      <a:prstDash val="solid"/>
-                      <a:round/>
-                      <a:headEnd type="none" w="med" len="med"/>
-                      <a:tailEnd type="none" w="med" len="med"/>
-                    </a:lnR>
-                    <a:lnT w="7620" cap="flat" cmpd="sng" algn="ctr">
-                      <a:solidFill>
-                        <a:srgbClr val="CCCCCC"/>
-                      </a:solidFill>
-                      <a:prstDash val="solid"/>
-                      <a:round/>
-                      <a:headEnd type="none" w="med" len="med"/>
-                      <a:tailEnd type="none" w="med" len="med"/>
-                    </a:lnT>
-                    <a:lnB w="7620" cap="flat" cmpd="sng" algn="ctr">
-                      <a:solidFill>
-                        <a:srgbClr val="CCCCCC"/>
-                      </a:solidFill>
-                      <a:prstDash val="solid"/>
-                      <a:round/>
-                      <a:headEnd type="none" w="med" len="med"/>
-                      <a:tailEnd type="none" w="med" len="med"/>
-                    </a:lnB>
-                    <a:solidFill>
-                      <a:srgbClr val="FFFFFF"/>
-                    </a:solidFill>
-                  </a:tcPr>
-                </a:tc>
-                <a:tc>
-                  <a:txBody>
-                    <a:bodyPr/>
-                    <a:lstStyle/>
-                    <a:p>
-                      <a:pPr rtl="0" fontAlgn="ctr"/>
-                      <a:r>
-                        <a:rPr lang="en-US" sz="800" b="0">
-                          <a:solidFill>
-                            <a:srgbClr val="434343"/>
-                          </a:solidFill>
-                          <a:effectLst/>
-                          <a:highlight>
-                            <a:srgbClr val="FFFFFF"/>
-                          </a:highlight>
-                          <a:latin typeface="Roboto" panose="02000000000000000000" pitchFamily="2" charset="0"/>
-                        </a:rPr>
-                        <a:t>DES Encryption Algorithm</a:t>
-                      </a:r>
-                    </a:p>
-                  </a:txBody>
-                  <a:tcPr marL="28543" marR="28543" marT="7136" marB="7136" anchor="ctr">
-                    <a:lnL w="7620" cap="flat" cmpd="sng" algn="ctr">
-                      <a:solidFill>
-                        <a:srgbClr val="CCCCCC"/>
-                      </a:solidFill>
-                      <a:prstDash val="solid"/>
-                      <a:round/>
-                      <a:headEnd type="none" w="med" len="med"/>
-                      <a:tailEnd type="none" w="med" len="med"/>
-                    </a:lnL>
-                    <a:lnR w="7620" cap="flat" cmpd="sng" algn="ctr">
-                      <a:solidFill>
-                        <a:srgbClr val="CCCCCC"/>
-                      </a:solidFill>
-                      <a:prstDash val="solid"/>
-                      <a:round/>
-                      <a:headEnd type="none" w="med" len="med"/>
-                      <a:tailEnd type="none" w="med" len="med"/>
-                    </a:lnR>
-                    <a:lnT w="7620" cap="flat" cmpd="sng" algn="ctr">
-                      <a:solidFill>
-                        <a:srgbClr val="CCCCCC"/>
-                      </a:solidFill>
-                      <a:prstDash val="solid"/>
-                      <a:round/>
-                      <a:headEnd type="none" w="med" len="med"/>
-                      <a:tailEnd type="none" w="med" len="med"/>
-                    </a:lnT>
-                    <a:lnB w="7620" cap="flat" cmpd="sng" algn="ctr">
-                      <a:solidFill>
-                        <a:srgbClr val="CCCCCC"/>
-                      </a:solidFill>
-                      <a:prstDash val="solid"/>
-                      <a:round/>
-                      <a:headEnd type="none" w="med" len="med"/>
-                      <a:tailEnd type="none" w="med" len="med"/>
-                    </a:lnB>
-                    <a:solidFill>
-                      <a:srgbClr val="FFFFFF"/>
-                    </a:solidFill>
-                  </a:tcPr>
-                </a:tc>
-                <a:tc>
-                  <a:txBody>
-                    <a:bodyPr/>
-                    <a:lstStyle/>
-                    <a:p>
-                      <a:pPr rtl="0" fontAlgn="ctr"/>
-                      <a:endParaRPr lang="he-IL" sz="800">
-                        <a:effectLst/>
-                        <a:highlight>
-                          <a:srgbClr val="FFFFFF"/>
-                        </a:highlight>
-                      </a:endParaRPr>
-                    </a:p>
-                  </a:txBody>
-                  <a:tcPr marL="28543" marR="28543" marT="7136" marB="7136" anchor="ctr">
-                    <a:lnL w="7620" cap="flat" cmpd="sng" algn="ctr">
-                      <a:solidFill>
-                        <a:srgbClr val="CCCCCC"/>
-                      </a:solidFill>
-                      <a:prstDash val="solid"/>
-                      <a:round/>
-                      <a:headEnd type="none" w="med" len="med"/>
-                      <a:tailEnd type="none" w="med" len="med"/>
-                    </a:lnL>
-                    <a:lnR w="7620" cap="flat" cmpd="sng" algn="ctr">
-                      <a:solidFill>
-                        <a:srgbClr val="284E3F"/>
-                      </a:solidFill>
-                      <a:prstDash val="solid"/>
-                      <a:round/>
-                      <a:headEnd type="none" w="med" len="med"/>
-                      <a:tailEnd type="none" w="med" len="med"/>
-                    </a:lnR>
-                    <a:lnT w="7620" cap="flat" cmpd="sng" algn="ctr">
-                      <a:solidFill>
-                        <a:srgbClr val="CCCCCC"/>
-                      </a:solidFill>
-                      <a:prstDash val="solid"/>
-                      <a:round/>
-                      <a:headEnd type="none" w="med" len="med"/>
-                      <a:tailEnd type="none" w="med" len="med"/>
-                    </a:lnT>
-                    <a:lnB w="7620" cap="flat" cmpd="sng" algn="ctr">
-                      <a:solidFill>
-                        <a:srgbClr val="CCCCCC"/>
-                      </a:solidFill>
-                      <a:prstDash val="solid"/>
-                      <a:round/>
-                      <a:headEnd type="none" w="med" len="med"/>
-                      <a:tailEnd type="none" w="med" len="med"/>
-                    </a:lnB>
-                    <a:solidFill>
-                      <a:srgbClr val="FFFFFF"/>
-                    </a:solidFill>
-                  </a:tcPr>
-                </a:tc>
-                <a:extLst>
-                  <a:ext uri="{0D108BD9-81ED-4DB2-BD59-A6C34878D82A}">
-                    <a16:rowId xmlns:a16="http://schemas.microsoft.com/office/drawing/2014/main" val="2991304701"/>
-                  </a:ext>
-                </a:extLst>
-              </a:tr>
-              <a:tr h="315805">
-                <a:tc>
-                  <a:txBody>
-                    <a:bodyPr/>
-                    <a:lstStyle/>
-                    <a:p>
-                      <a:pPr rtl="0" fontAlgn="ctr"/>
-                      <a:r>
-                        <a:rPr lang="en-US" sz="800" b="0">
-                          <a:solidFill>
-                            <a:srgbClr val="434343"/>
-                          </a:solidFill>
-                          <a:effectLst/>
-                          <a:highlight>
-                            <a:srgbClr val="F8F9FA"/>
-                          </a:highlight>
-                          <a:latin typeface="Roboto" panose="02000000000000000000" pitchFamily="2" charset="0"/>
-                        </a:rPr>
-                        <a:t>Design and coding</a:t>
-                      </a:r>
-                    </a:p>
-                  </a:txBody>
-                  <a:tcPr marL="28543" marR="28543" marT="7136" marB="7136" anchor="ctr">
-                    <a:lnL w="7620" cap="flat" cmpd="sng" algn="ctr">
-                      <a:solidFill>
-                        <a:srgbClr val="284E3F"/>
-                      </a:solidFill>
-                      <a:prstDash val="solid"/>
-                      <a:round/>
-                      <a:headEnd type="none" w="med" len="med"/>
-                      <a:tailEnd type="none" w="med" len="med"/>
-                    </a:lnL>
-                    <a:lnR w="7620" cap="flat" cmpd="sng" algn="ctr">
-                      <a:solidFill>
-                        <a:srgbClr val="CCCCCC"/>
-                      </a:solidFill>
-                      <a:prstDash val="solid"/>
-                      <a:round/>
-                      <a:headEnd type="none" w="med" len="med"/>
-                      <a:tailEnd type="none" w="med" len="med"/>
-                    </a:lnR>
-                    <a:lnT w="7620" cap="flat" cmpd="sng" algn="ctr">
-                      <a:solidFill>
-                        <a:srgbClr val="CCCCCC"/>
-                      </a:solidFill>
-                      <a:prstDash val="solid"/>
-                      <a:round/>
-                      <a:headEnd type="none" w="med" len="med"/>
-                      <a:tailEnd type="none" w="med" len="med"/>
-                    </a:lnT>
-                    <a:lnB w="7620" cap="flat" cmpd="sng" algn="ctr">
-                      <a:solidFill>
-                        <a:srgbClr val="CCCCCC"/>
-                      </a:solidFill>
-                      <a:prstDash val="solid"/>
-                      <a:round/>
-                      <a:headEnd type="none" w="med" len="med"/>
-                      <a:tailEnd type="none" w="med" len="med"/>
-                    </a:lnB>
-                    <a:solidFill>
-                      <a:srgbClr val="F8F9FA"/>
-                    </a:solidFill>
-                  </a:tcPr>
-                </a:tc>
-                <a:tc>
-                  <a:txBody>
-                    <a:bodyPr/>
-                    <a:lstStyle/>
-                    <a:p>
-                      <a:pPr rtl="0" fontAlgn="ctr"/>
-                      <a:r>
-                        <a:rPr lang="en-US" sz="800" b="0">
-                          <a:solidFill>
-                            <a:srgbClr val="434343"/>
-                          </a:solidFill>
-                          <a:effectLst/>
-                          <a:highlight>
-                            <a:srgbClr val="F8F9FA"/>
-                          </a:highlight>
-                          <a:latin typeface="Roboto" panose="02000000000000000000" pitchFamily="2" charset="0"/>
-                        </a:rPr>
-                        <a:t>Top level testbench preparation</a:t>
-                      </a:r>
-                    </a:p>
-                  </a:txBody>
-                  <a:tcPr marL="28543" marR="28543" marT="7136" marB="7136" anchor="ctr">
-                    <a:lnL w="7620" cap="flat" cmpd="sng" algn="ctr">
-                      <a:solidFill>
-                        <a:srgbClr val="CCCCCC"/>
-                      </a:solidFill>
-                      <a:prstDash val="solid"/>
-                      <a:round/>
-                      <a:headEnd type="none" w="med" len="med"/>
-                      <a:tailEnd type="none" w="med" len="med"/>
-                    </a:lnL>
-                    <a:lnR w="7620" cap="flat" cmpd="sng" algn="ctr">
-                      <a:solidFill>
-                        <a:srgbClr val="CCCCCC"/>
-                      </a:solidFill>
-                      <a:prstDash val="solid"/>
-                      <a:round/>
-                      <a:headEnd type="none" w="med" len="med"/>
-                      <a:tailEnd type="none" w="med" len="med"/>
-                    </a:lnR>
-                    <a:lnT w="7620" cap="flat" cmpd="sng" algn="ctr">
-                      <a:solidFill>
-                        <a:srgbClr val="CCCCCC"/>
-                      </a:solidFill>
-                      <a:prstDash val="solid"/>
-                      <a:round/>
-                      <a:headEnd type="none" w="med" len="med"/>
-                      <a:tailEnd type="none" w="med" len="med"/>
-                    </a:lnT>
-                    <a:lnB w="7620" cap="flat" cmpd="sng" algn="ctr">
-                      <a:solidFill>
-                        <a:srgbClr val="CCCCCC"/>
-                      </a:solidFill>
-                      <a:prstDash val="solid"/>
-                      <a:round/>
-                      <a:headEnd type="none" w="med" len="med"/>
-                      <a:tailEnd type="none" w="med" len="med"/>
-                    </a:lnB>
-                    <a:solidFill>
-                      <a:srgbClr val="F8F9FA"/>
-                    </a:solidFill>
-                  </a:tcPr>
-                </a:tc>
-                <a:tc>
-                  <a:txBody>
-                    <a:bodyPr/>
-                    <a:lstStyle/>
-                    <a:p>
-                      <a:pPr algn="r" rtl="0" fontAlgn="ctr"/>
-                      <a:r>
-                        <a:rPr lang="he-IL" sz="800" b="0">
-                          <a:solidFill>
-                            <a:srgbClr val="434343"/>
-                          </a:solidFill>
-                          <a:effectLst/>
-                          <a:highlight>
-                            <a:srgbClr val="F8F9FA"/>
-                          </a:highlight>
-                          <a:latin typeface="Roboto" panose="02000000000000000000" pitchFamily="2" charset="0"/>
-                        </a:rPr>
-                        <a:t>ברק</a:t>
-                      </a:r>
-                    </a:p>
-                  </a:txBody>
-                  <a:tcPr marL="28543" marR="28543" marT="7136" marB="7136" anchor="ctr">
-                    <a:lnL w="7620" cap="flat" cmpd="sng" algn="ctr">
-                      <a:solidFill>
-                        <a:srgbClr val="CCCCCC"/>
-                      </a:solidFill>
-                      <a:prstDash val="solid"/>
-                      <a:round/>
-                      <a:headEnd type="none" w="med" len="med"/>
-                      <a:tailEnd type="none" w="med" len="med"/>
-                    </a:lnL>
-                    <a:lnR w="7620" cap="flat" cmpd="sng" algn="ctr">
-                      <a:solidFill>
-                        <a:srgbClr val="284E3F"/>
-                      </a:solidFill>
-                      <a:prstDash val="solid"/>
-                      <a:round/>
-                      <a:headEnd type="none" w="med" len="med"/>
-                      <a:tailEnd type="none" w="med" len="med"/>
-                    </a:lnR>
-                    <a:lnT w="7620" cap="flat" cmpd="sng" algn="ctr">
-                      <a:solidFill>
-                        <a:srgbClr val="CCCCCC"/>
-                      </a:solidFill>
-                      <a:prstDash val="solid"/>
-                      <a:round/>
-                      <a:headEnd type="none" w="med" len="med"/>
-                      <a:tailEnd type="none" w="med" len="med"/>
-                    </a:lnT>
-                    <a:lnB w="7620" cap="flat" cmpd="sng" algn="ctr">
-                      <a:solidFill>
-                        <a:srgbClr val="CCCCCC"/>
-                      </a:solidFill>
-                      <a:prstDash val="solid"/>
-                      <a:round/>
-                      <a:headEnd type="none" w="med" len="med"/>
-                      <a:tailEnd type="none" w="med" len="med"/>
-                    </a:lnB>
-                    <a:solidFill>
-                      <a:srgbClr val="F8F9FA"/>
-                    </a:solidFill>
-                  </a:tcPr>
-                </a:tc>
-                <a:extLst>
-                  <a:ext uri="{0D108BD9-81ED-4DB2-BD59-A6C34878D82A}">
-                    <a16:rowId xmlns:a16="http://schemas.microsoft.com/office/drawing/2014/main" val="3798988641"/>
-                  </a:ext>
-                </a:extLst>
-              </a:tr>
-              <a:tr h="315805">
-                <a:tc>
-                  <a:txBody>
-                    <a:bodyPr/>
-                    <a:lstStyle/>
-                    <a:p>
-                      <a:pPr rtl="0" fontAlgn="ctr"/>
-                      <a:r>
-                        <a:rPr lang="en-US" sz="800" b="0">
-                          <a:solidFill>
-                            <a:srgbClr val="434343"/>
-                          </a:solidFill>
-                          <a:effectLst/>
-                          <a:highlight>
-                            <a:srgbClr val="FFFFFF"/>
-                          </a:highlight>
-                          <a:latin typeface="Roboto" panose="02000000000000000000" pitchFamily="2" charset="0"/>
-                        </a:rPr>
-                        <a:t>Design and coding</a:t>
-                      </a:r>
-                    </a:p>
-                  </a:txBody>
-                  <a:tcPr marL="28543" marR="28543" marT="7136" marB="7136" anchor="ctr">
-                    <a:lnL w="7620" cap="flat" cmpd="sng" algn="ctr">
-                      <a:solidFill>
-                        <a:srgbClr val="284E3F"/>
-                      </a:solidFill>
-                      <a:prstDash val="solid"/>
-                      <a:round/>
-                      <a:headEnd type="none" w="med" len="med"/>
-                      <a:tailEnd type="none" w="med" len="med"/>
-                    </a:lnL>
-                    <a:lnR w="7620" cap="flat" cmpd="sng" algn="ctr">
-                      <a:solidFill>
-                        <a:srgbClr val="CCCCCC"/>
-                      </a:solidFill>
-                      <a:prstDash val="solid"/>
-                      <a:round/>
-                      <a:headEnd type="none" w="med" len="med"/>
-                      <a:tailEnd type="none" w="med" len="med"/>
-                    </a:lnR>
-                    <a:lnT w="7620" cap="flat" cmpd="sng" algn="ctr">
-                      <a:solidFill>
-                        <a:srgbClr val="CCCCCC"/>
-                      </a:solidFill>
-                      <a:prstDash val="solid"/>
-                      <a:round/>
-                      <a:headEnd type="none" w="med" len="med"/>
-                      <a:tailEnd type="none" w="med" len="med"/>
-                    </a:lnT>
-                    <a:lnB w="7620" cap="flat" cmpd="sng" algn="ctr">
-                      <a:solidFill>
-                        <a:srgbClr val="CCCCCC"/>
-                      </a:solidFill>
-                      <a:prstDash val="solid"/>
-                      <a:round/>
-                      <a:headEnd type="none" w="med" len="med"/>
-                      <a:tailEnd type="none" w="med" len="med"/>
-                    </a:lnB>
-                    <a:solidFill>
-                      <a:srgbClr val="FFFFFF"/>
-                    </a:solidFill>
-                  </a:tcPr>
-                </a:tc>
-                <a:tc>
-                  <a:txBody>
-                    <a:bodyPr/>
-                    <a:lstStyle/>
-                    <a:p>
-                      <a:pPr rtl="0" fontAlgn="ctr"/>
-                      <a:r>
-                        <a:rPr lang="en-US" sz="800" b="0">
-                          <a:solidFill>
-                            <a:srgbClr val="434343"/>
-                          </a:solidFill>
-                          <a:effectLst/>
-                          <a:highlight>
-                            <a:srgbClr val="FFFFFF"/>
-                          </a:highlight>
-                          <a:latin typeface="Roboto" panose="02000000000000000000" pitchFamily="2" charset="0"/>
-                        </a:rPr>
-                        <a:t>Top level structural design</a:t>
-                      </a:r>
-                    </a:p>
-                  </a:txBody>
-                  <a:tcPr marL="28543" marR="28543" marT="7136" marB="7136" anchor="ctr">
-                    <a:lnL w="7620" cap="flat" cmpd="sng" algn="ctr">
-                      <a:solidFill>
-                        <a:srgbClr val="CCCCCC"/>
-                      </a:solidFill>
-                      <a:prstDash val="solid"/>
-                      <a:round/>
-                      <a:headEnd type="none" w="med" len="med"/>
-                      <a:tailEnd type="none" w="med" len="med"/>
-                    </a:lnL>
-                    <a:lnR w="7620" cap="flat" cmpd="sng" algn="ctr">
-                      <a:solidFill>
-                        <a:srgbClr val="CCCCCC"/>
-                      </a:solidFill>
-                      <a:prstDash val="solid"/>
-                      <a:round/>
-                      <a:headEnd type="none" w="med" len="med"/>
-                      <a:tailEnd type="none" w="med" len="med"/>
-                    </a:lnR>
-                    <a:lnT w="7620" cap="flat" cmpd="sng" algn="ctr">
-                      <a:solidFill>
-                        <a:srgbClr val="CCCCCC"/>
-                      </a:solidFill>
-                      <a:prstDash val="solid"/>
-                      <a:round/>
-                      <a:headEnd type="none" w="med" len="med"/>
-                      <a:tailEnd type="none" w="med" len="med"/>
-                    </a:lnT>
-                    <a:lnB w="7620" cap="flat" cmpd="sng" algn="ctr">
-                      <a:solidFill>
-                        <a:srgbClr val="CCCCCC"/>
-                      </a:solidFill>
-                      <a:prstDash val="solid"/>
-                      <a:round/>
-                      <a:headEnd type="none" w="med" len="med"/>
-                      <a:tailEnd type="none" w="med" len="med"/>
-                    </a:lnB>
-                    <a:solidFill>
-                      <a:srgbClr val="FFFFFF"/>
-                    </a:solidFill>
-                  </a:tcPr>
-                </a:tc>
-                <a:tc>
-                  <a:txBody>
-                    <a:bodyPr/>
-                    <a:lstStyle/>
-                    <a:p>
-                      <a:pPr algn="r" rtl="0" fontAlgn="ctr"/>
-                      <a:r>
-                        <a:rPr lang="he-IL" sz="800" b="0">
-                          <a:solidFill>
-                            <a:srgbClr val="434343"/>
-                          </a:solidFill>
-                          <a:effectLst/>
-                          <a:highlight>
-                            <a:srgbClr val="FFFFFF"/>
-                          </a:highlight>
-                          <a:latin typeface="Roboto" panose="02000000000000000000" pitchFamily="2" charset="0"/>
-                        </a:rPr>
-                        <a:t>ינון</a:t>
-                      </a:r>
-                    </a:p>
-                  </a:txBody>
-                  <a:tcPr marL="28543" marR="28543" marT="7136" marB="7136" anchor="ctr">
-                    <a:lnL w="7620" cap="flat" cmpd="sng" algn="ctr">
-                      <a:solidFill>
-                        <a:srgbClr val="CCCCCC"/>
-                      </a:solidFill>
-                      <a:prstDash val="solid"/>
-                      <a:round/>
-                      <a:headEnd type="none" w="med" len="med"/>
-                      <a:tailEnd type="none" w="med" len="med"/>
-                    </a:lnL>
-                    <a:lnR w="7620" cap="flat" cmpd="sng" algn="ctr">
-                      <a:solidFill>
-                        <a:srgbClr val="284E3F"/>
-                      </a:solidFill>
-                      <a:prstDash val="solid"/>
-                      <a:round/>
-                      <a:headEnd type="none" w="med" len="med"/>
-                      <a:tailEnd type="none" w="med" len="med"/>
-                    </a:lnR>
-                    <a:lnT w="7620" cap="flat" cmpd="sng" algn="ctr">
-                      <a:solidFill>
-                        <a:srgbClr val="CCCCCC"/>
-                      </a:solidFill>
-                      <a:prstDash val="solid"/>
-                      <a:round/>
-                      <a:headEnd type="none" w="med" len="med"/>
-                      <a:tailEnd type="none" w="med" len="med"/>
-                    </a:lnT>
-                    <a:lnB w="7620" cap="flat" cmpd="sng" algn="ctr">
-                      <a:solidFill>
-                        <a:srgbClr val="CCCCCC"/>
-                      </a:solidFill>
-                      <a:prstDash val="solid"/>
-                      <a:round/>
-                      <a:headEnd type="none" w="med" len="med"/>
-                      <a:tailEnd type="none" w="med" len="med"/>
-                    </a:lnB>
-                    <a:solidFill>
-                      <a:srgbClr val="FFFFFF"/>
-                    </a:solidFill>
-                  </a:tcPr>
-                </a:tc>
-                <a:extLst>
-                  <a:ext uri="{0D108BD9-81ED-4DB2-BD59-A6C34878D82A}">
-                    <a16:rowId xmlns:a16="http://schemas.microsoft.com/office/drawing/2014/main" val="2396352121"/>
-                  </a:ext>
-                </a:extLst>
-              </a:tr>
-              <a:tr h="315805">
-                <a:tc>
-                  <a:txBody>
-                    <a:bodyPr/>
-                    <a:lstStyle/>
-                    <a:p>
-                      <a:pPr rtl="0" fontAlgn="ctr"/>
-                      <a:r>
-                        <a:rPr lang="en-US" sz="800" b="0">
-                          <a:solidFill>
-                            <a:srgbClr val="434343"/>
-                          </a:solidFill>
-                          <a:effectLst/>
-                          <a:highlight>
-                            <a:srgbClr val="F8F9FA"/>
-                          </a:highlight>
-                          <a:latin typeface="Roboto" panose="02000000000000000000" pitchFamily="2" charset="0"/>
-                        </a:rPr>
-                        <a:t>Design and coding</a:t>
-                      </a:r>
-                    </a:p>
-                  </a:txBody>
-                  <a:tcPr marL="28543" marR="28543" marT="7136" marB="7136" anchor="ctr">
-                    <a:lnL w="7620" cap="flat" cmpd="sng" algn="ctr">
-                      <a:solidFill>
-                        <a:srgbClr val="284E3F"/>
-                      </a:solidFill>
-                      <a:prstDash val="solid"/>
-                      <a:round/>
-                      <a:headEnd type="none" w="med" len="med"/>
-                      <a:tailEnd type="none" w="med" len="med"/>
-                    </a:lnL>
-                    <a:lnR w="7620" cap="flat" cmpd="sng" algn="ctr">
-                      <a:solidFill>
-                        <a:srgbClr val="CCCCCC"/>
-                      </a:solidFill>
-                      <a:prstDash val="solid"/>
-                      <a:round/>
-                      <a:headEnd type="none" w="med" len="med"/>
-                      <a:tailEnd type="none" w="med" len="med"/>
-                    </a:lnR>
-                    <a:lnT w="7620" cap="flat" cmpd="sng" algn="ctr">
-                      <a:solidFill>
-                        <a:srgbClr val="CCCCCC"/>
-                      </a:solidFill>
-                      <a:prstDash val="solid"/>
-                      <a:round/>
-                      <a:headEnd type="none" w="med" len="med"/>
-                      <a:tailEnd type="none" w="med" len="med"/>
-                    </a:lnT>
-                    <a:lnB w="7620" cap="flat" cmpd="sng" algn="ctr">
-                      <a:solidFill>
-                        <a:srgbClr val="CCCCCC"/>
-                      </a:solidFill>
-                      <a:prstDash val="solid"/>
-                      <a:round/>
-                      <a:headEnd type="none" w="med" len="med"/>
-                      <a:tailEnd type="none" w="med" len="med"/>
-                    </a:lnB>
-                    <a:solidFill>
-                      <a:srgbClr val="F8F9FA"/>
-                    </a:solidFill>
-                  </a:tcPr>
-                </a:tc>
-                <a:tc>
-                  <a:txBody>
-                    <a:bodyPr/>
-                    <a:lstStyle/>
-                    <a:p>
-                      <a:pPr rtl="0" fontAlgn="ctr"/>
-                      <a:r>
-                        <a:rPr lang="en-US" sz="800" b="0">
-                          <a:solidFill>
-                            <a:srgbClr val="434343"/>
-                          </a:solidFill>
-                          <a:effectLst/>
-                          <a:highlight>
-                            <a:srgbClr val="F8F9FA"/>
-                          </a:highlight>
-                          <a:latin typeface="Roboto" panose="02000000000000000000" pitchFamily="2" charset="0"/>
-                        </a:rPr>
-                        <a:t>Top level Feistel network design</a:t>
-                      </a:r>
-                    </a:p>
-                  </a:txBody>
-                  <a:tcPr marL="28543" marR="28543" marT="7136" marB="7136" anchor="ctr">
-                    <a:lnL w="7620" cap="flat" cmpd="sng" algn="ctr">
-                      <a:solidFill>
-                        <a:srgbClr val="CCCCCC"/>
-                      </a:solidFill>
-                      <a:prstDash val="solid"/>
-                      <a:round/>
-                      <a:headEnd type="none" w="med" len="med"/>
-                      <a:tailEnd type="none" w="med" len="med"/>
-                    </a:lnL>
-                    <a:lnR w="7620" cap="flat" cmpd="sng" algn="ctr">
-                      <a:solidFill>
-                        <a:srgbClr val="CCCCCC"/>
-                      </a:solidFill>
-                      <a:prstDash val="solid"/>
-                      <a:round/>
-                      <a:headEnd type="none" w="med" len="med"/>
-                      <a:tailEnd type="none" w="med" len="med"/>
-                    </a:lnR>
-                    <a:lnT w="7620" cap="flat" cmpd="sng" algn="ctr">
-                      <a:solidFill>
-                        <a:srgbClr val="CCCCCC"/>
-                      </a:solidFill>
-                      <a:prstDash val="solid"/>
-                      <a:round/>
-                      <a:headEnd type="none" w="med" len="med"/>
-                      <a:tailEnd type="none" w="med" len="med"/>
-                    </a:lnT>
-                    <a:lnB w="7620" cap="flat" cmpd="sng" algn="ctr">
-                      <a:solidFill>
-                        <a:srgbClr val="CCCCCC"/>
-                      </a:solidFill>
-                      <a:prstDash val="solid"/>
-                      <a:round/>
-                      <a:headEnd type="none" w="med" len="med"/>
-                      <a:tailEnd type="none" w="med" len="med"/>
-                    </a:lnB>
-                    <a:solidFill>
-                      <a:srgbClr val="F8F9FA"/>
-                    </a:solidFill>
-                  </a:tcPr>
-                </a:tc>
-                <a:tc>
-                  <a:txBody>
-                    <a:bodyPr/>
-                    <a:lstStyle/>
-                    <a:p>
-                      <a:pPr algn="r" rtl="0" fontAlgn="ctr"/>
-                      <a:r>
-                        <a:rPr lang="he-IL" sz="800" b="0">
-                          <a:solidFill>
-                            <a:srgbClr val="434343"/>
-                          </a:solidFill>
-                          <a:effectLst/>
-                          <a:highlight>
-                            <a:srgbClr val="F8F9FA"/>
-                          </a:highlight>
-                          <a:latin typeface="Roboto" panose="02000000000000000000" pitchFamily="2" charset="0"/>
-                        </a:rPr>
-                        <a:t>ליאור ברנר</a:t>
-                      </a:r>
-                    </a:p>
-                  </a:txBody>
-                  <a:tcPr marL="28543" marR="28543" marT="7136" marB="7136" anchor="ctr">
-                    <a:lnL w="7620" cap="flat" cmpd="sng" algn="ctr">
-                      <a:solidFill>
-                        <a:srgbClr val="CCCCCC"/>
-                      </a:solidFill>
-                      <a:prstDash val="solid"/>
-                      <a:round/>
-                      <a:headEnd type="none" w="med" len="med"/>
-                      <a:tailEnd type="none" w="med" len="med"/>
-                    </a:lnL>
-                    <a:lnR w="7620" cap="flat" cmpd="sng" algn="ctr">
-                      <a:solidFill>
-                        <a:srgbClr val="284E3F"/>
-                      </a:solidFill>
-                      <a:prstDash val="solid"/>
-                      <a:round/>
-                      <a:headEnd type="none" w="med" len="med"/>
-                      <a:tailEnd type="none" w="med" len="med"/>
-                    </a:lnR>
-                    <a:lnT w="7620" cap="flat" cmpd="sng" algn="ctr">
-                      <a:solidFill>
-                        <a:srgbClr val="CCCCCC"/>
-                      </a:solidFill>
-                      <a:prstDash val="solid"/>
-                      <a:round/>
-                      <a:headEnd type="none" w="med" len="med"/>
-                      <a:tailEnd type="none" w="med" len="med"/>
-                    </a:lnT>
-                    <a:lnB w="7620" cap="flat" cmpd="sng" algn="ctr">
-                      <a:solidFill>
-                        <a:srgbClr val="CCCCCC"/>
-                      </a:solidFill>
-                      <a:prstDash val="solid"/>
-                      <a:round/>
-                      <a:headEnd type="none" w="med" len="med"/>
-                      <a:tailEnd type="none" w="med" len="med"/>
-                    </a:lnB>
-                    <a:solidFill>
-                      <a:srgbClr val="F8F9FA"/>
-                    </a:solidFill>
-                  </a:tcPr>
-                </a:tc>
-                <a:extLst>
-                  <a:ext uri="{0D108BD9-81ED-4DB2-BD59-A6C34878D82A}">
-                    <a16:rowId xmlns:a16="http://schemas.microsoft.com/office/drawing/2014/main" val="1035524714"/>
-                  </a:ext>
-                </a:extLst>
-              </a:tr>
-              <a:tr h="315805">
-                <a:tc>
-                  <a:txBody>
-                    <a:bodyPr/>
-                    <a:lstStyle/>
-                    <a:p>
-                      <a:pPr rtl="0" fontAlgn="ctr"/>
-                      <a:r>
-                        <a:rPr lang="en-US" sz="800" b="0">
-                          <a:solidFill>
-                            <a:srgbClr val="434343"/>
-                          </a:solidFill>
-                          <a:effectLst/>
-                          <a:highlight>
-                            <a:srgbClr val="FFFFFF"/>
-                          </a:highlight>
-                          <a:latin typeface="Roboto" panose="02000000000000000000" pitchFamily="2" charset="0"/>
-                        </a:rPr>
-                        <a:t>Design and coding</a:t>
-                      </a:r>
-                    </a:p>
-                  </a:txBody>
-                  <a:tcPr marL="28543" marR="28543" marT="7136" marB="7136" anchor="ctr">
-                    <a:lnL w="7620" cap="flat" cmpd="sng" algn="ctr">
-                      <a:solidFill>
-                        <a:srgbClr val="284E3F"/>
-                      </a:solidFill>
-                      <a:prstDash val="solid"/>
-                      <a:round/>
-                      <a:headEnd type="none" w="med" len="med"/>
-                      <a:tailEnd type="none" w="med" len="med"/>
-                    </a:lnL>
-                    <a:lnR w="7620" cap="flat" cmpd="sng" algn="ctr">
-                      <a:solidFill>
-                        <a:srgbClr val="CCCCCC"/>
-                      </a:solidFill>
-                      <a:prstDash val="solid"/>
-                      <a:round/>
-                      <a:headEnd type="none" w="med" len="med"/>
-                      <a:tailEnd type="none" w="med" len="med"/>
-                    </a:lnR>
-                    <a:lnT w="7620" cap="flat" cmpd="sng" algn="ctr">
-                      <a:solidFill>
-                        <a:srgbClr val="CCCCCC"/>
-                      </a:solidFill>
-                      <a:prstDash val="solid"/>
-                      <a:round/>
-                      <a:headEnd type="none" w="med" len="med"/>
-                      <a:tailEnd type="none" w="med" len="med"/>
-                    </a:lnT>
-                    <a:lnB w="7620" cap="flat" cmpd="sng" algn="ctr">
-                      <a:solidFill>
-                        <a:srgbClr val="CCCCCC"/>
-                      </a:solidFill>
-                      <a:prstDash val="solid"/>
-                      <a:round/>
-                      <a:headEnd type="none" w="med" len="med"/>
-                      <a:tailEnd type="none" w="med" len="med"/>
-                    </a:lnB>
-                    <a:solidFill>
-                      <a:srgbClr val="FFFFFF"/>
-                    </a:solidFill>
-                  </a:tcPr>
-                </a:tc>
-                <a:tc>
-                  <a:txBody>
-                    <a:bodyPr/>
-                    <a:lstStyle/>
-                    <a:p>
-                      <a:pPr rtl="0" fontAlgn="ctr"/>
-                      <a:r>
-                        <a:rPr lang="en-US" sz="800" b="0">
-                          <a:solidFill>
-                            <a:srgbClr val="434343"/>
-                          </a:solidFill>
-                          <a:effectLst/>
-                          <a:highlight>
-                            <a:srgbClr val="FFFFFF"/>
-                          </a:highlight>
-                          <a:latin typeface="Roboto" panose="02000000000000000000" pitchFamily="2" charset="0"/>
-                        </a:rPr>
-                        <a:t>F function top level structural design</a:t>
-                      </a:r>
-                    </a:p>
-                  </a:txBody>
-                  <a:tcPr marL="28543" marR="28543" marT="7136" marB="7136" anchor="ctr">
-                    <a:lnL w="7620" cap="flat" cmpd="sng" algn="ctr">
-                      <a:solidFill>
-                        <a:srgbClr val="CCCCCC"/>
-                      </a:solidFill>
-                      <a:prstDash val="solid"/>
-                      <a:round/>
-                      <a:headEnd type="none" w="med" len="med"/>
-                      <a:tailEnd type="none" w="med" len="med"/>
-                    </a:lnL>
-                    <a:lnR w="7620" cap="flat" cmpd="sng" algn="ctr">
-                      <a:solidFill>
-                        <a:srgbClr val="CCCCCC"/>
-                      </a:solidFill>
-                      <a:prstDash val="solid"/>
-                      <a:round/>
-                      <a:headEnd type="none" w="med" len="med"/>
-                      <a:tailEnd type="none" w="med" len="med"/>
-                    </a:lnR>
-                    <a:lnT w="7620" cap="flat" cmpd="sng" algn="ctr">
-                      <a:solidFill>
-                        <a:srgbClr val="CCCCCC"/>
-                      </a:solidFill>
-                      <a:prstDash val="solid"/>
-                      <a:round/>
-                      <a:headEnd type="none" w="med" len="med"/>
-                      <a:tailEnd type="none" w="med" len="med"/>
-                    </a:lnT>
-                    <a:lnB w="7620" cap="flat" cmpd="sng" algn="ctr">
-                      <a:solidFill>
-                        <a:srgbClr val="CCCCCC"/>
-                      </a:solidFill>
-                      <a:prstDash val="solid"/>
-                      <a:round/>
-                      <a:headEnd type="none" w="med" len="med"/>
-                      <a:tailEnd type="none" w="med" len="med"/>
-                    </a:lnB>
-                    <a:solidFill>
-                      <a:srgbClr val="FFFFFF"/>
-                    </a:solidFill>
-                  </a:tcPr>
-                </a:tc>
-                <a:tc>
-                  <a:txBody>
-                    <a:bodyPr/>
-                    <a:lstStyle/>
-                    <a:p>
-                      <a:pPr algn="r" rtl="0" fontAlgn="ctr"/>
-                      <a:r>
-                        <a:rPr lang="he-IL" sz="800" b="0">
-                          <a:solidFill>
-                            <a:srgbClr val="434343"/>
-                          </a:solidFill>
-                          <a:effectLst/>
-                          <a:highlight>
-                            <a:srgbClr val="FFFFFF"/>
-                          </a:highlight>
-                          <a:latin typeface="Roboto" panose="02000000000000000000" pitchFamily="2" charset="0"/>
-                        </a:rPr>
-                        <a:t>ליאור ברנר</a:t>
-                      </a:r>
-                    </a:p>
-                  </a:txBody>
-                  <a:tcPr marL="28543" marR="28543" marT="7136" marB="7136" anchor="ctr">
-                    <a:lnL w="7620" cap="flat" cmpd="sng" algn="ctr">
-                      <a:solidFill>
-                        <a:srgbClr val="CCCCCC"/>
-                      </a:solidFill>
-                      <a:prstDash val="solid"/>
-                      <a:round/>
-                      <a:headEnd type="none" w="med" len="med"/>
-                      <a:tailEnd type="none" w="med" len="med"/>
-                    </a:lnL>
-                    <a:lnR w="7620" cap="flat" cmpd="sng" algn="ctr">
-                      <a:solidFill>
-                        <a:srgbClr val="284E3F"/>
-                      </a:solidFill>
-                      <a:prstDash val="solid"/>
-                      <a:round/>
-                      <a:headEnd type="none" w="med" len="med"/>
-                      <a:tailEnd type="none" w="med" len="med"/>
-                    </a:lnR>
-                    <a:lnT w="7620" cap="flat" cmpd="sng" algn="ctr">
-                      <a:solidFill>
-                        <a:srgbClr val="CCCCCC"/>
-                      </a:solidFill>
-                      <a:prstDash val="solid"/>
-                      <a:round/>
-                      <a:headEnd type="none" w="med" len="med"/>
-                      <a:tailEnd type="none" w="med" len="med"/>
-                    </a:lnT>
-                    <a:lnB w="7620" cap="flat" cmpd="sng" algn="ctr">
-                      <a:solidFill>
-                        <a:srgbClr val="CCCCCC"/>
-                      </a:solidFill>
-                      <a:prstDash val="solid"/>
-                      <a:round/>
-                      <a:headEnd type="none" w="med" len="med"/>
-                      <a:tailEnd type="none" w="med" len="med"/>
-                    </a:lnB>
-                    <a:solidFill>
-                      <a:srgbClr val="FFFFFF"/>
-                    </a:solidFill>
-                  </a:tcPr>
-                </a:tc>
-                <a:extLst>
-                  <a:ext uri="{0D108BD9-81ED-4DB2-BD59-A6C34878D82A}">
-                    <a16:rowId xmlns:a16="http://schemas.microsoft.com/office/drawing/2014/main" val="497978415"/>
-                  </a:ext>
-                </a:extLst>
-              </a:tr>
-              <a:tr h="315805">
-                <a:tc>
-                  <a:txBody>
-                    <a:bodyPr/>
-                    <a:lstStyle/>
-                    <a:p>
-                      <a:pPr rtl="0" fontAlgn="ctr"/>
-                      <a:r>
-                        <a:rPr lang="en-US" sz="800" b="0">
-                          <a:solidFill>
-                            <a:srgbClr val="434343"/>
-                          </a:solidFill>
-                          <a:effectLst/>
-                          <a:highlight>
-                            <a:srgbClr val="F8F9FA"/>
-                          </a:highlight>
-                          <a:latin typeface="Roboto" panose="02000000000000000000" pitchFamily="2" charset="0"/>
-                        </a:rPr>
-                        <a:t>Design and coding</a:t>
-                      </a:r>
-                    </a:p>
-                  </a:txBody>
-                  <a:tcPr marL="28543" marR="28543" marT="7136" marB="7136" anchor="ctr">
-                    <a:lnL w="7620" cap="flat" cmpd="sng" algn="ctr">
-                      <a:solidFill>
-                        <a:srgbClr val="284E3F"/>
-                      </a:solidFill>
-                      <a:prstDash val="solid"/>
-                      <a:round/>
-                      <a:headEnd type="none" w="med" len="med"/>
-                      <a:tailEnd type="none" w="med" len="med"/>
-                    </a:lnL>
-                    <a:lnR w="7620" cap="flat" cmpd="sng" algn="ctr">
-                      <a:solidFill>
-                        <a:srgbClr val="CCCCCC"/>
-                      </a:solidFill>
-                      <a:prstDash val="solid"/>
-                      <a:round/>
-                      <a:headEnd type="none" w="med" len="med"/>
-                      <a:tailEnd type="none" w="med" len="med"/>
-                    </a:lnR>
-                    <a:lnT w="7620" cap="flat" cmpd="sng" algn="ctr">
-                      <a:solidFill>
-                        <a:srgbClr val="CCCCCC"/>
-                      </a:solidFill>
-                      <a:prstDash val="solid"/>
-                      <a:round/>
-                      <a:headEnd type="none" w="med" len="med"/>
-                      <a:tailEnd type="none" w="med" len="med"/>
-                    </a:lnT>
-                    <a:lnB w="7620" cap="flat" cmpd="sng" algn="ctr">
-                      <a:solidFill>
-                        <a:srgbClr val="CCCCCC"/>
-                      </a:solidFill>
-                      <a:prstDash val="solid"/>
-                      <a:round/>
-                      <a:headEnd type="none" w="med" len="med"/>
-                      <a:tailEnd type="none" w="med" len="med"/>
-                    </a:lnB>
-                    <a:solidFill>
-                      <a:srgbClr val="F8F9FA"/>
-                    </a:solidFill>
-                  </a:tcPr>
-                </a:tc>
-                <a:tc>
-                  <a:txBody>
-                    <a:bodyPr/>
-                    <a:lstStyle/>
-                    <a:p>
-                      <a:pPr rtl="0" fontAlgn="ctr"/>
-                      <a:r>
-                        <a:rPr lang="en-US" sz="800" b="0">
-                          <a:solidFill>
-                            <a:srgbClr val="434343"/>
-                          </a:solidFill>
-                          <a:effectLst/>
-                          <a:highlight>
-                            <a:srgbClr val="F8F9FA"/>
-                          </a:highlight>
-                          <a:latin typeface="Roboto" panose="02000000000000000000" pitchFamily="2" charset="0"/>
-                        </a:rPr>
-                        <a:t>E function design</a:t>
-                      </a:r>
-                    </a:p>
-                  </a:txBody>
-                  <a:tcPr marL="28543" marR="28543" marT="7136" marB="7136" anchor="ctr">
-                    <a:lnL w="7620" cap="flat" cmpd="sng" algn="ctr">
-                      <a:solidFill>
-                        <a:srgbClr val="CCCCCC"/>
-                      </a:solidFill>
-                      <a:prstDash val="solid"/>
-                      <a:round/>
-                      <a:headEnd type="none" w="med" len="med"/>
-                      <a:tailEnd type="none" w="med" len="med"/>
-                    </a:lnL>
-                    <a:lnR w="7620" cap="flat" cmpd="sng" algn="ctr">
-                      <a:solidFill>
-                        <a:srgbClr val="CCCCCC"/>
-                      </a:solidFill>
-                      <a:prstDash val="solid"/>
-                      <a:round/>
-                      <a:headEnd type="none" w="med" len="med"/>
-                      <a:tailEnd type="none" w="med" len="med"/>
-                    </a:lnR>
-                    <a:lnT w="7620" cap="flat" cmpd="sng" algn="ctr">
-                      <a:solidFill>
-                        <a:srgbClr val="CCCCCC"/>
-                      </a:solidFill>
-                      <a:prstDash val="solid"/>
-                      <a:round/>
-                      <a:headEnd type="none" w="med" len="med"/>
-                      <a:tailEnd type="none" w="med" len="med"/>
-                    </a:lnT>
-                    <a:lnB w="7620" cap="flat" cmpd="sng" algn="ctr">
-                      <a:solidFill>
-                        <a:srgbClr val="CCCCCC"/>
-                      </a:solidFill>
-                      <a:prstDash val="solid"/>
-                      <a:round/>
-                      <a:headEnd type="none" w="med" len="med"/>
-                      <a:tailEnd type="none" w="med" len="med"/>
-                    </a:lnB>
-                    <a:solidFill>
-                      <a:srgbClr val="F8F9FA"/>
-                    </a:solidFill>
-                  </a:tcPr>
-                </a:tc>
-                <a:tc>
-                  <a:txBody>
-                    <a:bodyPr/>
-                    <a:lstStyle/>
-                    <a:p>
-                      <a:pPr algn="r" rtl="0" fontAlgn="ctr"/>
-                      <a:r>
-                        <a:rPr lang="he-IL" sz="800" b="0">
-                          <a:solidFill>
-                            <a:srgbClr val="434343"/>
-                          </a:solidFill>
-                          <a:effectLst/>
-                          <a:highlight>
-                            <a:srgbClr val="F8F9FA"/>
-                          </a:highlight>
-                          <a:latin typeface="Roboto" panose="02000000000000000000" pitchFamily="2" charset="0"/>
-                        </a:rPr>
-                        <a:t>ליאור ברנר</a:t>
-                      </a:r>
-                    </a:p>
-                  </a:txBody>
-                  <a:tcPr marL="28543" marR="28543" marT="7136" marB="7136" anchor="ctr">
-                    <a:lnL w="7620" cap="flat" cmpd="sng" algn="ctr">
-                      <a:solidFill>
-                        <a:srgbClr val="CCCCCC"/>
-                      </a:solidFill>
-                      <a:prstDash val="solid"/>
-                      <a:round/>
-                      <a:headEnd type="none" w="med" len="med"/>
-                      <a:tailEnd type="none" w="med" len="med"/>
-                    </a:lnL>
-                    <a:lnR w="7620" cap="flat" cmpd="sng" algn="ctr">
-                      <a:solidFill>
-                        <a:srgbClr val="284E3F"/>
-                      </a:solidFill>
-                      <a:prstDash val="solid"/>
-                      <a:round/>
-                      <a:headEnd type="none" w="med" len="med"/>
-                      <a:tailEnd type="none" w="med" len="med"/>
-                    </a:lnR>
-                    <a:lnT w="7620" cap="flat" cmpd="sng" algn="ctr">
-                      <a:solidFill>
-                        <a:srgbClr val="CCCCCC"/>
-                      </a:solidFill>
-                      <a:prstDash val="solid"/>
-                      <a:round/>
-                      <a:headEnd type="none" w="med" len="med"/>
-                      <a:tailEnd type="none" w="med" len="med"/>
-                    </a:lnT>
-                    <a:lnB w="7620" cap="flat" cmpd="sng" algn="ctr">
-                      <a:solidFill>
-                        <a:srgbClr val="CCCCCC"/>
-                      </a:solidFill>
-                      <a:prstDash val="solid"/>
-                      <a:round/>
-                      <a:headEnd type="none" w="med" len="med"/>
-                      <a:tailEnd type="none" w="med" len="med"/>
-                    </a:lnB>
-                    <a:solidFill>
-                      <a:srgbClr val="F8F9FA"/>
-                    </a:solidFill>
-                  </a:tcPr>
-                </a:tc>
-                <a:extLst>
-                  <a:ext uri="{0D108BD9-81ED-4DB2-BD59-A6C34878D82A}">
-                    <a16:rowId xmlns:a16="http://schemas.microsoft.com/office/drawing/2014/main" val="461677246"/>
-                  </a:ext>
-                </a:extLst>
-              </a:tr>
-              <a:tr h="315805">
-                <a:tc>
-                  <a:txBody>
-                    <a:bodyPr/>
-                    <a:lstStyle/>
-                    <a:p>
-                      <a:pPr rtl="0" fontAlgn="ctr"/>
-                      <a:r>
-                        <a:rPr lang="en-US" sz="800" b="0">
-                          <a:solidFill>
-                            <a:srgbClr val="434343"/>
-                          </a:solidFill>
-                          <a:effectLst/>
-                          <a:highlight>
-                            <a:srgbClr val="FFFFFF"/>
-                          </a:highlight>
-                          <a:latin typeface="Roboto" panose="02000000000000000000" pitchFamily="2" charset="0"/>
-                        </a:rPr>
-                        <a:t>Design and coding</a:t>
-                      </a:r>
-                    </a:p>
-                  </a:txBody>
-                  <a:tcPr marL="28543" marR="28543" marT="7136" marB="7136" anchor="ctr">
-                    <a:lnL w="7620" cap="flat" cmpd="sng" algn="ctr">
-                      <a:solidFill>
-                        <a:srgbClr val="284E3F"/>
-                      </a:solidFill>
-                      <a:prstDash val="solid"/>
-                      <a:round/>
-                      <a:headEnd type="none" w="med" len="med"/>
-                      <a:tailEnd type="none" w="med" len="med"/>
-                    </a:lnL>
-                    <a:lnR w="7620" cap="flat" cmpd="sng" algn="ctr">
-                      <a:solidFill>
-                        <a:srgbClr val="CCCCCC"/>
-                      </a:solidFill>
-                      <a:prstDash val="solid"/>
-                      <a:round/>
-                      <a:headEnd type="none" w="med" len="med"/>
-                      <a:tailEnd type="none" w="med" len="med"/>
-                    </a:lnR>
-                    <a:lnT w="7620" cap="flat" cmpd="sng" algn="ctr">
-                      <a:solidFill>
-                        <a:srgbClr val="CCCCCC"/>
-                      </a:solidFill>
-                      <a:prstDash val="solid"/>
-                      <a:round/>
-                      <a:headEnd type="none" w="med" len="med"/>
-                      <a:tailEnd type="none" w="med" len="med"/>
-                    </a:lnT>
-                    <a:lnB w="7620" cap="flat" cmpd="sng" algn="ctr">
-                      <a:solidFill>
-                        <a:srgbClr val="CCCCCC"/>
-                      </a:solidFill>
-                      <a:prstDash val="solid"/>
-                      <a:round/>
-                      <a:headEnd type="none" w="med" len="med"/>
-                      <a:tailEnd type="none" w="med" len="med"/>
-                    </a:lnB>
-                    <a:solidFill>
-                      <a:srgbClr val="FFFFFF"/>
-                    </a:solidFill>
-                  </a:tcPr>
-                </a:tc>
-                <a:tc>
-                  <a:txBody>
-                    <a:bodyPr/>
-                    <a:lstStyle/>
-                    <a:p>
-                      <a:pPr rtl="0" fontAlgn="ctr"/>
-                      <a:r>
-                        <a:rPr lang="en-US" sz="800" b="0">
-                          <a:solidFill>
-                            <a:srgbClr val="434343"/>
-                          </a:solidFill>
-                          <a:effectLst/>
-                          <a:highlight>
-                            <a:srgbClr val="FFFFFF"/>
-                          </a:highlight>
-                          <a:latin typeface="Roboto" panose="02000000000000000000" pitchFamily="2" charset="0"/>
-                        </a:rPr>
-                        <a:t>S-boxes (S1, S2, S3… S8) design</a:t>
-                      </a:r>
-                    </a:p>
-                  </a:txBody>
-                  <a:tcPr marL="28543" marR="28543" marT="7136" marB="7136" anchor="ctr">
-                    <a:lnL w="7620" cap="flat" cmpd="sng" algn="ctr">
-                      <a:solidFill>
-                        <a:srgbClr val="CCCCCC"/>
-                      </a:solidFill>
-                      <a:prstDash val="solid"/>
-                      <a:round/>
-                      <a:headEnd type="none" w="med" len="med"/>
-                      <a:tailEnd type="none" w="med" len="med"/>
-                    </a:lnL>
-                    <a:lnR w="7620" cap="flat" cmpd="sng" algn="ctr">
-                      <a:solidFill>
-                        <a:srgbClr val="CCCCCC"/>
-                      </a:solidFill>
-                      <a:prstDash val="solid"/>
-                      <a:round/>
-                      <a:headEnd type="none" w="med" len="med"/>
-                      <a:tailEnd type="none" w="med" len="med"/>
-                    </a:lnR>
-                    <a:lnT w="7620" cap="flat" cmpd="sng" algn="ctr">
-                      <a:solidFill>
-                        <a:srgbClr val="CCCCCC"/>
-                      </a:solidFill>
-                      <a:prstDash val="solid"/>
-                      <a:round/>
-                      <a:headEnd type="none" w="med" len="med"/>
-                      <a:tailEnd type="none" w="med" len="med"/>
-                    </a:lnT>
-                    <a:lnB w="7620" cap="flat" cmpd="sng" algn="ctr">
-                      <a:solidFill>
-                        <a:srgbClr val="CCCCCC"/>
-                      </a:solidFill>
-                      <a:prstDash val="solid"/>
-                      <a:round/>
-                      <a:headEnd type="none" w="med" len="med"/>
-                      <a:tailEnd type="none" w="med" len="med"/>
-                    </a:lnB>
-                    <a:solidFill>
-                      <a:srgbClr val="FFFFFF"/>
-                    </a:solidFill>
-                  </a:tcPr>
-                </a:tc>
-                <a:tc>
-                  <a:txBody>
-                    <a:bodyPr/>
-                    <a:lstStyle/>
-                    <a:p>
-                      <a:pPr algn="r" rtl="0" fontAlgn="ctr"/>
-                      <a:r>
-                        <a:rPr lang="he-IL" sz="800" b="0">
-                          <a:solidFill>
-                            <a:srgbClr val="434343"/>
-                          </a:solidFill>
-                          <a:effectLst/>
-                          <a:highlight>
-                            <a:srgbClr val="FFFFFF"/>
-                          </a:highlight>
-                          <a:latin typeface="Roboto" panose="02000000000000000000" pitchFamily="2" charset="0"/>
-                        </a:rPr>
-                        <a:t>דביר בכר</a:t>
-                      </a:r>
-                    </a:p>
-                  </a:txBody>
-                  <a:tcPr marL="28543" marR="28543" marT="7136" marB="7136" anchor="ctr">
-                    <a:lnL w="7620" cap="flat" cmpd="sng" algn="ctr">
-                      <a:solidFill>
-                        <a:srgbClr val="CCCCCC"/>
-                      </a:solidFill>
-                      <a:prstDash val="solid"/>
-                      <a:round/>
-                      <a:headEnd type="none" w="med" len="med"/>
-                      <a:tailEnd type="none" w="med" len="med"/>
-                    </a:lnL>
-                    <a:lnR w="7620" cap="flat" cmpd="sng" algn="ctr">
-                      <a:solidFill>
-                        <a:srgbClr val="284E3F"/>
-                      </a:solidFill>
-                      <a:prstDash val="solid"/>
-                      <a:round/>
-                      <a:headEnd type="none" w="med" len="med"/>
-                      <a:tailEnd type="none" w="med" len="med"/>
-                    </a:lnR>
-                    <a:lnT w="7620" cap="flat" cmpd="sng" algn="ctr">
-                      <a:solidFill>
-                        <a:srgbClr val="CCCCCC"/>
-                      </a:solidFill>
-                      <a:prstDash val="solid"/>
-                      <a:round/>
-                      <a:headEnd type="none" w="med" len="med"/>
-                      <a:tailEnd type="none" w="med" len="med"/>
-                    </a:lnT>
-                    <a:lnB w="7620" cap="flat" cmpd="sng" algn="ctr">
-                      <a:solidFill>
-                        <a:srgbClr val="CCCCCC"/>
-                      </a:solidFill>
-                      <a:prstDash val="solid"/>
-                      <a:round/>
-                      <a:headEnd type="none" w="med" len="med"/>
-                      <a:tailEnd type="none" w="med" len="med"/>
-                    </a:lnB>
-                    <a:solidFill>
-                      <a:srgbClr val="FFFFFF"/>
-                    </a:solidFill>
-                  </a:tcPr>
-                </a:tc>
-                <a:extLst>
-                  <a:ext uri="{0D108BD9-81ED-4DB2-BD59-A6C34878D82A}">
-                    <a16:rowId xmlns:a16="http://schemas.microsoft.com/office/drawing/2014/main" val="663164072"/>
-                  </a:ext>
-                </a:extLst>
-              </a:tr>
-              <a:tr h="315805">
-                <a:tc>
-                  <a:txBody>
-                    <a:bodyPr/>
-                    <a:lstStyle/>
-                    <a:p>
-                      <a:pPr rtl="0" fontAlgn="ctr"/>
-                      <a:r>
-                        <a:rPr lang="en-US" sz="800" b="0">
-                          <a:solidFill>
-                            <a:srgbClr val="434343"/>
-                          </a:solidFill>
-                          <a:effectLst/>
-                          <a:highlight>
-                            <a:srgbClr val="F8F9FA"/>
-                          </a:highlight>
-                          <a:latin typeface="Roboto" panose="02000000000000000000" pitchFamily="2" charset="0"/>
-                        </a:rPr>
-                        <a:t>Design and coding</a:t>
-                      </a:r>
-                    </a:p>
-                  </a:txBody>
-                  <a:tcPr marL="28543" marR="28543" marT="7136" marB="7136" anchor="ctr">
-                    <a:lnL w="7620" cap="flat" cmpd="sng" algn="ctr">
-                      <a:solidFill>
-                        <a:srgbClr val="284E3F"/>
-                      </a:solidFill>
-                      <a:prstDash val="solid"/>
-                      <a:round/>
-                      <a:headEnd type="none" w="med" len="med"/>
-                      <a:tailEnd type="none" w="med" len="med"/>
-                    </a:lnL>
-                    <a:lnR w="7620" cap="flat" cmpd="sng" algn="ctr">
-                      <a:solidFill>
-                        <a:srgbClr val="CCCCCC"/>
-                      </a:solidFill>
-                      <a:prstDash val="solid"/>
-                      <a:round/>
-                      <a:headEnd type="none" w="med" len="med"/>
-                      <a:tailEnd type="none" w="med" len="med"/>
-                    </a:lnR>
-                    <a:lnT w="7620" cap="flat" cmpd="sng" algn="ctr">
-                      <a:solidFill>
-                        <a:srgbClr val="CCCCCC"/>
-                      </a:solidFill>
-                      <a:prstDash val="solid"/>
-                      <a:round/>
-                      <a:headEnd type="none" w="med" len="med"/>
-                      <a:tailEnd type="none" w="med" len="med"/>
-                    </a:lnT>
-                    <a:lnB w="7620" cap="flat" cmpd="sng" algn="ctr">
-                      <a:solidFill>
-                        <a:srgbClr val="CCCCCC"/>
-                      </a:solidFill>
-                      <a:prstDash val="solid"/>
-                      <a:round/>
-                      <a:headEnd type="none" w="med" len="med"/>
-                      <a:tailEnd type="none" w="med" len="med"/>
-                    </a:lnB>
-                    <a:solidFill>
-                      <a:srgbClr val="F8F9FA"/>
-                    </a:solidFill>
-                  </a:tcPr>
-                </a:tc>
-                <a:tc>
-                  <a:txBody>
-                    <a:bodyPr/>
-                    <a:lstStyle/>
-                    <a:p>
-                      <a:pPr rtl="0" fontAlgn="ctr"/>
-                      <a:r>
-                        <a:rPr lang="en-US" sz="800" b="0">
-                          <a:solidFill>
-                            <a:srgbClr val="434343"/>
-                          </a:solidFill>
-                          <a:effectLst/>
-                          <a:highlight>
-                            <a:srgbClr val="F8F9FA"/>
-                          </a:highlight>
-                          <a:latin typeface="Roboto" panose="02000000000000000000" pitchFamily="2" charset="0"/>
-                        </a:rPr>
-                        <a:t>P function design</a:t>
-                      </a:r>
-                    </a:p>
-                  </a:txBody>
-                  <a:tcPr marL="28543" marR="28543" marT="7136" marB="7136" anchor="ctr">
-                    <a:lnL w="7620" cap="flat" cmpd="sng" algn="ctr">
-                      <a:solidFill>
-                        <a:srgbClr val="CCCCCC"/>
-                      </a:solidFill>
-                      <a:prstDash val="solid"/>
-                      <a:round/>
-                      <a:headEnd type="none" w="med" len="med"/>
-                      <a:tailEnd type="none" w="med" len="med"/>
-                    </a:lnL>
-                    <a:lnR w="7620" cap="flat" cmpd="sng" algn="ctr">
-                      <a:solidFill>
-                        <a:srgbClr val="CCCCCC"/>
-                      </a:solidFill>
-                      <a:prstDash val="solid"/>
-                      <a:round/>
-                      <a:headEnd type="none" w="med" len="med"/>
-                      <a:tailEnd type="none" w="med" len="med"/>
-                    </a:lnR>
-                    <a:lnT w="7620" cap="flat" cmpd="sng" algn="ctr">
-                      <a:solidFill>
-                        <a:srgbClr val="CCCCCC"/>
-                      </a:solidFill>
-                      <a:prstDash val="solid"/>
-                      <a:round/>
-                      <a:headEnd type="none" w="med" len="med"/>
-                      <a:tailEnd type="none" w="med" len="med"/>
-                    </a:lnT>
-                    <a:lnB w="7620" cap="flat" cmpd="sng" algn="ctr">
-                      <a:solidFill>
-                        <a:srgbClr val="CCCCCC"/>
-                      </a:solidFill>
-                      <a:prstDash val="solid"/>
-                      <a:round/>
-                      <a:headEnd type="none" w="med" len="med"/>
-                      <a:tailEnd type="none" w="med" len="med"/>
-                    </a:lnB>
-                    <a:solidFill>
-                      <a:srgbClr val="F8F9FA"/>
-                    </a:solidFill>
-                  </a:tcPr>
-                </a:tc>
-                <a:tc>
-                  <a:txBody>
-                    <a:bodyPr/>
-                    <a:lstStyle/>
-                    <a:p>
-                      <a:pPr algn="r" rtl="0" fontAlgn="ctr"/>
-                      <a:r>
-                        <a:rPr lang="he-IL" sz="800" b="0" dirty="0">
-                          <a:solidFill>
-                            <a:srgbClr val="434343"/>
-                          </a:solidFill>
-                          <a:effectLst/>
-                          <a:highlight>
-                            <a:srgbClr val="F8F9FA"/>
-                          </a:highlight>
-                          <a:latin typeface="Roboto" panose="02000000000000000000" pitchFamily="2" charset="0"/>
-                        </a:rPr>
-                        <a:t>נעם כלפון</a:t>
-                      </a:r>
-                    </a:p>
-                  </a:txBody>
-                  <a:tcPr marL="28543" marR="28543" marT="7136" marB="7136" anchor="ctr">
-                    <a:lnL w="7620" cap="flat" cmpd="sng" algn="ctr">
-                      <a:solidFill>
-                        <a:srgbClr val="CCCCCC"/>
-                      </a:solidFill>
-                      <a:prstDash val="solid"/>
-                      <a:round/>
-                      <a:headEnd type="none" w="med" len="med"/>
-                      <a:tailEnd type="none" w="med" len="med"/>
-                    </a:lnL>
-                    <a:lnR w="7620" cap="flat" cmpd="sng" algn="ctr">
-                      <a:solidFill>
-                        <a:srgbClr val="284E3F"/>
-                      </a:solidFill>
-                      <a:prstDash val="solid"/>
-                      <a:round/>
-                      <a:headEnd type="none" w="med" len="med"/>
-                      <a:tailEnd type="none" w="med" len="med"/>
-                    </a:lnR>
-                    <a:lnT w="7620" cap="flat" cmpd="sng" algn="ctr">
-                      <a:solidFill>
-                        <a:srgbClr val="CCCCCC"/>
-                      </a:solidFill>
-                      <a:prstDash val="solid"/>
-                      <a:round/>
-                      <a:headEnd type="none" w="med" len="med"/>
-                      <a:tailEnd type="none" w="med" len="med"/>
-                    </a:lnT>
-                    <a:lnB w="7620" cap="flat" cmpd="sng" algn="ctr">
-                      <a:solidFill>
-                        <a:srgbClr val="CCCCCC"/>
-                      </a:solidFill>
-                      <a:prstDash val="solid"/>
-                      <a:round/>
-                      <a:headEnd type="none" w="med" len="med"/>
-                      <a:tailEnd type="none" w="med" len="med"/>
-                    </a:lnB>
-                    <a:solidFill>
-                      <a:srgbClr val="F8F9FA"/>
-                    </a:solidFill>
-                  </a:tcPr>
-                </a:tc>
-                <a:extLst>
-                  <a:ext uri="{0D108BD9-81ED-4DB2-BD59-A6C34878D82A}">
-                    <a16:rowId xmlns:a16="http://schemas.microsoft.com/office/drawing/2014/main" val="2385029689"/>
-                  </a:ext>
-                </a:extLst>
-              </a:tr>
-              <a:tr h="465398">
-                <a:tc>
-                  <a:txBody>
-                    <a:bodyPr/>
-                    <a:lstStyle/>
-                    <a:p>
-                      <a:pPr rtl="0" fontAlgn="ctr"/>
-                      <a:r>
-                        <a:rPr lang="en-US" sz="800" b="0">
-                          <a:solidFill>
-                            <a:srgbClr val="434343"/>
-                          </a:solidFill>
-                          <a:effectLst/>
-                          <a:highlight>
-                            <a:srgbClr val="FFFFFF"/>
-                          </a:highlight>
-                          <a:latin typeface="Roboto" panose="02000000000000000000" pitchFamily="2" charset="0"/>
-                        </a:rPr>
-                        <a:t>Design and coding</a:t>
-                      </a:r>
-                    </a:p>
-                  </a:txBody>
-                  <a:tcPr marL="28543" marR="28543" marT="7136" marB="7136" anchor="ctr">
-                    <a:lnL w="7620" cap="flat" cmpd="sng" algn="ctr">
-                      <a:solidFill>
-                        <a:srgbClr val="284E3F"/>
-                      </a:solidFill>
-                      <a:prstDash val="solid"/>
-                      <a:round/>
-                      <a:headEnd type="none" w="med" len="med"/>
-                      <a:tailEnd type="none" w="med" len="med"/>
-                    </a:lnL>
-                    <a:lnR w="7620" cap="flat" cmpd="sng" algn="ctr">
-                      <a:solidFill>
-                        <a:srgbClr val="CCCCCC"/>
-                      </a:solidFill>
-                      <a:prstDash val="solid"/>
-                      <a:round/>
-                      <a:headEnd type="none" w="med" len="med"/>
-                      <a:tailEnd type="none" w="med" len="med"/>
-                    </a:lnR>
-                    <a:lnT w="7620" cap="flat" cmpd="sng" algn="ctr">
-                      <a:solidFill>
-                        <a:srgbClr val="CCCCCC"/>
-                      </a:solidFill>
-                      <a:prstDash val="solid"/>
-                      <a:round/>
-                      <a:headEnd type="none" w="med" len="med"/>
-                      <a:tailEnd type="none" w="med" len="med"/>
-                    </a:lnT>
-                    <a:lnB w="7620" cap="flat" cmpd="sng" algn="ctr">
-                      <a:solidFill>
-                        <a:srgbClr val="CCCCCC"/>
-                      </a:solidFill>
-                      <a:prstDash val="solid"/>
-                      <a:round/>
-                      <a:headEnd type="none" w="med" len="med"/>
-                      <a:tailEnd type="none" w="med" len="med"/>
-                    </a:lnB>
-                    <a:solidFill>
-                      <a:srgbClr val="FFFFFF"/>
-                    </a:solidFill>
-                  </a:tcPr>
-                </a:tc>
-                <a:tc>
-                  <a:txBody>
-                    <a:bodyPr/>
-                    <a:lstStyle/>
-                    <a:p>
-                      <a:pPr rtl="0" fontAlgn="ctr"/>
-                      <a:r>
-                        <a:rPr lang="en-US" sz="800" b="0">
-                          <a:solidFill>
-                            <a:srgbClr val="434343"/>
-                          </a:solidFill>
-                          <a:effectLst/>
-                          <a:highlight>
-                            <a:srgbClr val="FFFFFF"/>
-                          </a:highlight>
-                          <a:latin typeface="Roboto" panose="02000000000000000000" pitchFamily="2" charset="0"/>
-                        </a:rPr>
-                        <a:t>Key, schedule module, top level, structural design</a:t>
-                      </a:r>
-                    </a:p>
-                  </a:txBody>
-                  <a:tcPr marL="28543" marR="28543" marT="7136" marB="7136" anchor="ctr">
-                    <a:lnL w="7620" cap="flat" cmpd="sng" algn="ctr">
-                      <a:solidFill>
-                        <a:srgbClr val="CCCCCC"/>
-                      </a:solidFill>
-                      <a:prstDash val="solid"/>
-                      <a:round/>
-                      <a:headEnd type="none" w="med" len="med"/>
-                      <a:tailEnd type="none" w="med" len="med"/>
-                    </a:lnL>
-                    <a:lnR w="7620" cap="flat" cmpd="sng" algn="ctr">
-                      <a:solidFill>
-                        <a:srgbClr val="CCCCCC"/>
-                      </a:solidFill>
-                      <a:prstDash val="solid"/>
-                      <a:round/>
-                      <a:headEnd type="none" w="med" len="med"/>
-                      <a:tailEnd type="none" w="med" len="med"/>
-                    </a:lnR>
-                    <a:lnT w="7620" cap="flat" cmpd="sng" algn="ctr">
-                      <a:solidFill>
-                        <a:srgbClr val="CCCCCC"/>
-                      </a:solidFill>
-                      <a:prstDash val="solid"/>
-                      <a:round/>
-                      <a:headEnd type="none" w="med" len="med"/>
-                      <a:tailEnd type="none" w="med" len="med"/>
-                    </a:lnT>
-                    <a:lnB w="7620" cap="flat" cmpd="sng" algn="ctr">
-                      <a:solidFill>
-                        <a:srgbClr val="CCCCCC"/>
-                      </a:solidFill>
-                      <a:prstDash val="solid"/>
-                      <a:round/>
-                      <a:headEnd type="none" w="med" len="med"/>
-                      <a:tailEnd type="none" w="med" len="med"/>
-                    </a:lnB>
-                    <a:solidFill>
-                      <a:srgbClr val="FFFFFF"/>
-                    </a:solidFill>
-                  </a:tcPr>
-                </a:tc>
-                <a:tc>
-                  <a:txBody>
-                    <a:bodyPr/>
-                    <a:lstStyle/>
-                    <a:p>
-                      <a:pPr algn="r" rtl="0" fontAlgn="ctr"/>
-                      <a:r>
-                        <a:rPr lang="he-IL" sz="800" b="0">
-                          <a:solidFill>
-                            <a:srgbClr val="434343"/>
-                          </a:solidFill>
-                          <a:effectLst/>
-                          <a:highlight>
-                            <a:srgbClr val="FFFFFF"/>
-                          </a:highlight>
-                          <a:latin typeface="Roboto" panose="02000000000000000000" pitchFamily="2" charset="0"/>
-                        </a:rPr>
-                        <a:t>גלעד אבוהב</a:t>
-                      </a:r>
-                    </a:p>
-                  </a:txBody>
-                  <a:tcPr marL="28543" marR="28543" marT="7136" marB="7136" anchor="ctr">
-                    <a:lnL w="7620" cap="flat" cmpd="sng" algn="ctr">
-                      <a:solidFill>
-                        <a:srgbClr val="CCCCCC"/>
-                      </a:solidFill>
-                      <a:prstDash val="solid"/>
-                      <a:round/>
-                      <a:headEnd type="none" w="med" len="med"/>
-                      <a:tailEnd type="none" w="med" len="med"/>
-                    </a:lnL>
-                    <a:lnR w="7620" cap="flat" cmpd="sng" algn="ctr">
-                      <a:solidFill>
-                        <a:srgbClr val="284E3F"/>
-                      </a:solidFill>
-                      <a:prstDash val="solid"/>
-                      <a:round/>
-                      <a:headEnd type="none" w="med" len="med"/>
-                      <a:tailEnd type="none" w="med" len="med"/>
-                    </a:lnR>
-                    <a:lnT w="7620" cap="flat" cmpd="sng" algn="ctr">
-                      <a:solidFill>
-                        <a:srgbClr val="CCCCCC"/>
-                      </a:solidFill>
-                      <a:prstDash val="solid"/>
-                      <a:round/>
-                      <a:headEnd type="none" w="med" len="med"/>
-                      <a:tailEnd type="none" w="med" len="med"/>
-                    </a:lnT>
-                    <a:lnB w="7620" cap="flat" cmpd="sng" algn="ctr">
-                      <a:solidFill>
-                        <a:srgbClr val="CCCCCC"/>
-                      </a:solidFill>
-                      <a:prstDash val="solid"/>
-                      <a:round/>
-                      <a:headEnd type="none" w="med" len="med"/>
-                      <a:tailEnd type="none" w="med" len="med"/>
-                    </a:lnB>
-                    <a:solidFill>
-                      <a:srgbClr val="FFFFFF"/>
-                    </a:solidFill>
-                  </a:tcPr>
-                </a:tc>
-                <a:extLst>
-                  <a:ext uri="{0D108BD9-81ED-4DB2-BD59-A6C34878D82A}">
-                    <a16:rowId xmlns:a16="http://schemas.microsoft.com/office/drawing/2014/main" val="2575648132"/>
-                  </a:ext>
-                </a:extLst>
-              </a:tr>
-              <a:tr h="315805">
-                <a:tc>
-                  <a:txBody>
-                    <a:bodyPr/>
-                    <a:lstStyle/>
-                    <a:p>
-                      <a:pPr rtl="0" fontAlgn="ctr"/>
-                      <a:r>
-                        <a:rPr lang="en-US" sz="800" b="0">
-                          <a:solidFill>
-                            <a:srgbClr val="434343"/>
-                          </a:solidFill>
-                          <a:effectLst/>
-                          <a:highlight>
-                            <a:srgbClr val="F8F9FA"/>
-                          </a:highlight>
-                          <a:latin typeface="Roboto" panose="02000000000000000000" pitchFamily="2" charset="0"/>
-                        </a:rPr>
-                        <a:t>Design and coding</a:t>
-                      </a:r>
-                    </a:p>
-                  </a:txBody>
-                  <a:tcPr marL="28543" marR="28543" marT="7136" marB="7136" anchor="ctr">
-                    <a:lnL w="7620" cap="flat" cmpd="sng" algn="ctr">
-                      <a:solidFill>
-                        <a:srgbClr val="284E3F"/>
-                      </a:solidFill>
-                      <a:prstDash val="solid"/>
-                      <a:round/>
-                      <a:headEnd type="none" w="med" len="med"/>
-                      <a:tailEnd type="none" w="med" len="med"/>
-                    </a:lnL>
-                    <a:lnR w="7620" cap="flat" cmpd="sng" algn="ctr">
-                      <a:solidFill>
-                        <a:srgbClr val="CCCCCC"/>
-                      </a:solidFill>
-                      <a:prstDash val="solid"/>
-                      <a:round/>
-                      <a:headEnd type="none" w="med" len="med"/>
-                      <a:tailEnd type="none" w="med" len="med"/>
-                    </a:lnR>
-                    <a:lnT w="7620" cap="flat" cmpd="sng" algn="ctr">
-                      <a:solidFill>
-                        <a:srgbClr val="CCCCCC"/>
-                      </a:solidFill>
-                      <a:prstDash val="solid"/>
-                      <a:round/>
-                      <a:headEnd type="none" w="med" len="med"/>
-                      <a:tailEnd type="none" w="med" len="med"/>
-                    </a:lnT>
-                    <a:lnB w="7620" cap="flat" cmpd="sng" algn="ctr">
-                      <a:solidFill>
-                        <a:srgbClr val="CCCCCC"/>
-                      </a:solidFill>
-                      <a:prstDash val="solid"/>
-                      <a:round/>
-                      <a:headEnd type="none" w="med" len="med"/>
-                      <a:tailEnd type="none" w="med" len="med"/>
-                    </a:lnB>
-                    <a:solidFill>
-                      <a:srgbClr val="F8F9FA"/>
-                    </a:solidFill>
-                  </a:tcPr>
-                </a:tc>
-                <a:tc>
-                  <a:txBody>
-                    <a:bodyPr/>
-                    <a:lstStyle/>
-                    <a:p>
-                      <a:pPr rtl="0" fontAlgn="ctr"/>
-                      <a:r>
-                        <a:rPr lang="en-US" sz="800" b="0">
-                          <a:solidFill>
-                            <a:srgbClr val="434343"/>
-                          </a:solidFill>
-                          <a:effectLst/>
-                          <a:highlight>
-                            <a:srgbClr val="F8F9FA"/>
-                          </a:highlight>
-                          <a:latin typeface="Roboto" panose="02000000000000000000" pitchFamily="2" charset="0"/>
-                        </a:rPr>
-                        <a:t>PC1 function design</a:t>
-                      </a:r>
-                    </a:p>
-                  </a:txBody>
-                  <a:tcPr marL="28543" marR="28543" marT="7136" marB="7136" anchor="ctr">
-                    <a:lnL w="7620" cap="flat" cmpd="sng" algn="ctr">
-                      <a:solidFill>
-                        <a:srgbClr val="CCCCCC"/>
-                      </a:solidFill>
-                      <a:prstDash val="solid"/>
-                      <a:round/>
-                      <a:headEnd type="none" w="med" len="med"/>
-                      <a:tailEnd type="none" w="med" len="med"/>
-                    </a:lnL>
-                    <a:lnR w="7620" cap="flat" cmpd="sng" algn="ctr">
-                      <a:solidFill>
-                        <a:srgbClr val="CCCCCC"/>
-                      </a:solidFill>
-                      <a:prstDash val="solid"/>
-                      <a:round/>
-                      <a:headEnd type="none" w="med" len="med"/>
-                      <a:tailEnd type="none" w="med" len="med"/>
-                    </a:lnR>
-                    <a:lnT w="7620" cap="flat" cmpd="sng" algn="ctr">
-                      <a:solidFill>
-                        <a:srgbClr val="CCCCCC"/>
-                      </a:solidFill>
-                      <a:prstDash val="solid"/>
-                      <a:round/>
-                      <a:headEnd type="none" w="med" len="med"/>
-                      <a:tailEnd type="none" w="med" len="med"/>
-                    </a:lnT>
-                    <a:lnB w="7620" cap="flat" cmpd="sng" algn="ctr">
-                      <a:solidFill>
-                        <a:srgbClr val="CCCCCC"/>
-                      </a:solidFill>
-                      <a:prstDash val="solid"/>
-                      <a:round/>
-                      <a:headEnd type="none" w="med" len="med"/>
-                      <a:tailEnd type="none" w="med" len="med"/>
-                    </a:lnB>
-                    <a:solidFill>
-                      <a:srgbClr val="F8F9FA"/>
-                    </a:solidFill>
-                  </a:tcPr>
-                </a:tc>
-                <a:tc>
-                  <a:txBody>
-                    <a:bodyPr/>
-                    <a:lstStyle/>
-                    <a:p>
-                      <a:pPr algn="r" rtl="0" fontAlgn="ctr"/>
-                      <a:r>
-                        <a:rPr lang="he-IL" sz="800" b="0" dirty="0">
-                          <a:solidFill>
-                            <a:srgbClr val="434343"/>
-                          </a:solidFill>
-                          <a:effectLst/>
-                          <a:highlight>
-                            <a:srgbClr val="F8F9FA"/>
-                          </a:highlight>
-                          <a:latin typeface="Roboto" panose="02000000000000000000" pitchFamily="2" charset="0"/>
-                        </a:rPr>
-                        <a:t>שמואל אפלבוים</a:t>
-                      </a:r>
-                    </a:p>
-                  </a:txBody>
-                  <a:tcPr marL="28543" marR="28543" marT="7136" marB="7136" anchor="ctr">
-                    <a:lnL w="7620" cap="flat" cmpd="sng" algn="ctr">
-                      <a:solidFill>
-                        <a:srgbClr val="CCCCCC"/>
-                      </a:solidFill>
-                      <a:prstDash val="solid"/>
-                      <a:round/>
-                      <a:headEnd type="none" w="med" len="med"/>
-                      <a:tailEnd type="none" w="med" len="med"/>
-                    </a:lnL>
-                    <a:lnR w="7620" cap="flat" cmpd="sng" algn="ctr">
-                      <a:solidFill>
-                        <a:srgbClr val="284E3F"/>
-                      </a:solidFill>
-                      <a:prstDash val="solid"/>
-                      <a:round/>
-                      <a:headEnd type="none" w="med" len="med"/>
-                      <a:tailEnd type="none" w="med" len="med"/>
-                    </a:lnR>
-                    <a:lnT w="7620" cap="flat" cmpd="sng" algn="ctr">
-                      <a:solidFill>
-                        <a:srgbClr val="CCCCCC"/>
-                      </a:solidFill>
-                      <a:prstDash val="solid"/>
-                      <a:round/>
-                      <a:headEnd type="none" w="med" len="med"/>
-                      <a:tailEnd type="none" w="med" len="med"/>
-                    </a:lnT>
-                    <a:lnB w="7620" cap="flat" cmpd="sng" algn="ctr">
-                      <a:solidFill>
-                        <a:srgbClr val="CCCCCC"/>
-                      </a:solidFill>
-                      <a:prstDash val="solid"/>
-                      <a:round/>
-                      <a:headEnd type="none" w="med" len="med"/>
-                      <a:tailEnd type="none" w="med" len="med"/>
-                    </a:lnB>
-                    <a:solidFill>
-                      <a:srgbClr val="F8F9FA"/>
-                    </a:solidFill>
-                  </a:tcPr>
-                </a:tc>
-                <a:extLst>
-                  <a:ext uri="{0D108BD9-81ED-4DB2-BD59-A6C34878D82A}">
-                    <a16:rowId xmlns:a16="http://schemas.microsoft.com/office/drawing/2014/main" val="3385911650"/>
-                  </a:ext>
-                </a:extLst>
-              </a:tr>
-              <a:tr h="315805">
-                <a:tc>
-                  <a:txBody>
-                    <a:bodyPr/>
-                    <a:lstStyle/>
-                    <a:p>
-                      <a:pPr rtl="0" fontAlgn="ctr"/>
-                      <a:r>
-                        <a:rPr lang="en-US" sz="800" b="0">
-                          <a:solidFill>
-                            <a:srgbClr val="434343"/>
-                          </a:solidFill>
-                          <a:effectLst/>
-                          <a:highlight>
-                            <a:srgbClr val="FFFFFF"/>
-                          </a:highlight>
-                          <a:latin typeface="Roboto" panose="02000000000000000000" pitchFamily="2" charset="0"/>
-                        </a:rPr>
-                        <a:t>Design and coding</a:t>
-                      </a:r>
-                    </a:p>
-                  </a:txBody>
-                  <a:tcPr marL="28543" marR="28543" marT="7136" marB="7136" anchor="ctr">
-                    <a:lnL w="7620" cap="flat" cmpd="sng" algn="ctr">
-                      <a:solidFill>
-                        <a:srgbClr val="284E3F"/>
-                      </a:solidFill>
-                      <a:prstDash val="solid"/>
-                      <a:round/>
-                      <a:headEnd type="none" w="med" len="med"/>
-                      <a:tailEnd type="none" w="med" len="med"/>
-                    </a:lnL>
-                    <a:lnR w="7620" cap="flat" cmpd="sng" algn="ctr">
-                      <a:solidFill>
-                        <a:srgbClr val="CCCCCC"/>
-                      </a:solidFill>
-                      <a:prstDash val="solid"/>
-                      <a:round/>
-                      <a:headEnd type="none" w="med" len="med"/>
-                      <a:tailEnd type="none" w="med" len="med"/>
-                    </a:lnR>
-                    <a:lnT w="7620" cap="flat" cmpd="sng" algn="ctr">
-                      <a:solidFill>
-                        <a:srgbClr val="CCCCCC"/>
-                      </a:solidFill>
-                      <a:prstDash val="solid"/>
-                      <a:round/>
-                      <a:headEnd type="none" w="med" len="med"/>
-                      <a:tailEnd type="none" w="med" len="med"/>
-                    </a:lnT>
-                    <a:lnB w="7620" cap="flat" cmpd="sng" algn="ctr">
-                      <a:solidFill>
-                        <a:srgbClr val="CCCCCC"/>
-                      </a:solidFill>
-                      <a:prstDash val="solid"/>
-                      <a:round/>
-                      <a:headEnd type="none" w="med" len="med"/>
-                      <a:tailEnd type="none" w="med" len="med"/>
-                    </a:lnB>
-                    <a:solidFill>
-                      <a:srgbClr val="FFFFFF"/>
-                    </a:solidFill>
-                  </a:tcPr>
-                </a:tc>
-                <a:tc>
-                  <a:txBody>
-                    <a:bodyPr/>
-                    <a:lstStyle/>
-                    <a:p>
-                      <a:pPr rtl="0" fontAlgn="ctr"/>
-                      <a:r>
-                        <a:rPr lang="en-US" sz="800" b="0">
-                          <a:solidFill>
-                            <a:srgbClr val="434343"/>
-                          </a:solidFill>
-                          <a:effectLst/>
-                          <a:highlight>
-                            <a:srgbClr val="FFFFFF"/>
-                          </a:highlight>
-                          <a:latin typeface="Roboto" panose="02000000000000000000" pitchFamily="2" charset="0"/>
-                        </a:rPr>
-                        <a:t>PC2 function design</a:t>
-                      </a:r>
-                    </a:p>
-                  </a:txBody>
-                  <a:tcPr marL="28543" marR="28543" marT="7136" marB="7136" anchor="ctr">
-                    <a:lnL w="7620" cap="flat" cmpd="sng" algn="ctr">
-                      <a:solidFill>
-                        <a:srgbClr val="CCCCCC"/>
-                      </a:solidFill>
-                      <a:prstDash val="solid"/>
-                      <a:round/>
-                      <a:headEnd type="none" w="med" len="med"/>
-                      <a:tailEnd type="none" w="med" len="med"/>
-                    </a:lnL>
-                    <a:lnR w="7620" cap="flat" cmpd="sng" algn="ctr">
-                      <a:solidFill>
-                        <a:srgbClr val="CCCCCC"/>
-                      </a:solidFill>
-                      <a:prstDash val="solid"/>
-                      <a:round/>
-                      <a:headEnd type="none" w="med" len="med"/>
-                      <a:tailEnd type="none" w="med" len="med"/>
-                    </a:lnR>
-                    <a:lnT w="7620" cap="flat" cmpd="sng" algn="ctr">
-                      <a:solidFill>
-                        <a:srgbClr val="CCCCCC"/>
-                      </a:solidFill>
-                      <a:prstDash val="solid"/>
-                      <a:round/>
-                      <a:headEnd type="none" w="med" len="med"/>
-                      <a:tailEnd type="none" w="med" len="med"/>
-                    </a:lnT>
-                    <a:lnB w="7620" cap="flat" cmpd="sng" algn="ctr">
-                      <a:solidFill>
-                        <a:srgbClr val="CCCCCC"/>
-                      </a:solidFill>
-                      <a:prstDash val="solid"/>
-                      <a:round/>
-                      <a:headEnd type="none" w="med" len="med"/>
-                      <a:tailEnd type="none" w="med" len="med"/>
-                    </a:lnB>
-                    <a:solidFill>
-                      <a:srgbClr val="FFFFFF"/>
-                    </a:solidFill>
-                  </a:tcPr>
-                </a:tc>
-                <a:tc>
-                  <a:txBody>
-                    <a:bodyPr/>
-                    <a:lstStyle/>
-                    <a:p>
-                      <a:pPr algn="r" rtl="0" fontAlgn="ctr"/>
-                      <a:r>
-                        <a:rPr lang="he-IL" sz="800" b="0" dirty="0">
-                          <a:solidFill>
-                            <a:srgbClr val="434343"/>
-                          </a:solidFill>
-                          <a:effectLst/>
-                          <a:highlight>
-                            <a:srgbClr val="FFFFFF"/>
-                          </a:highlight>
-                          <a:latin typeface="Roboto" panose="02000000000000000000" pitchFamily="2" charset="0"/>
-                        </a:rPr>
-                        <a:t>שמואל אפלבוים</a:t>
-                      </a:r>
-                    </a:p>
-                  </a:txBody>
-                  <a:tcPr marL="28543" marR="28543" marT="7136" marB="7136" anchor="ctr">
-                    <a:lnL w="7620" cap="flat" cmpd="sng" algn="ctr">
-                      <a:solidFill>
-                        <a:srgbClr val="CCCCCC"/>
-                      </a:solidFill>
-                      <a:prstDash val="solid"/>
-                      <a:round/>
-                      <a:headEnd type="none" w="med" len="med"/>
-                      <a:tailEnd type="none" w="med" len="med"/>
-                    </a:lnL>
-                    <a:lnR w="7620" cap="flat" cmpd="sng" algn="ctr">
-                      <a:solidFill>
-                        <a:srgbClr val="284E3F"/>
-                      </a:solidFill>
-                      <a:prstDash val="solid"/>
-                      <a:round/>
-                      <a:headEnd type="none" w="med" len="med"/>
-                      <a:tailEnd type="none" w="med" len="med"/>
-                    </a:lnR>
-                    <a:lnT w="7620" cap="flat" cmpd="sng" algn="ctr">
-                      <a:solidFill>
-                        <a:srgbClr val="CCCCCC"/>
-                      </a:solidFill>
-                      <a:prstDash val="solid"/>
-                      <a:round/>
-                      <a:headEnd type="none" w="med" len="med"/>
-                      <a:tailEnd type="none" w="med" len="med"/>
-                    </a:lnT>
-                    <a:lnB w="7620" cap="flat" cmpd="sng" algn="ctr">
-                      <a:solidFill>
-                        <a:srgbClr val="CCCCCC"/>
-                      </a:solidFill>
-                      <a:prstDash val="solid"/>
-                      <a:round/>
-                      <a:headEnd type="none" w="med" len="med"/>
-                      <a:tailEnd type="none" w="med" len="med"/>
-                    </a:lnB>
-                    <a:solidFill>
-                      <a:srgbClr val="FFFFFF"/>
-                    </a:solidFill>
-                  </a:tcPr>
-                </a:tc>
-                <a:extLst>
-                  <a:ext uri="{0D108BD9-81ED-4DB2-BD59-A6C34878D82A}">
-                    <a16:rowId xmlns:a16="http://schemas.microsoft.com/office/drawing/2014/main" val="534755509"/>
-                  </a:ext>
-                </a:extLst>
-              </a:tr>
-              <a:tr h="315805">
-                <a:tc>
-                  <a:txBody>
-                    <a:bodyPr/>
-                    <a:lstStyle/>
-                    <a:p>
-                      <a:pPr rtl="0" fontAlgn="ctr"/>
-                      <a:r>
-                        <a:rPr lang="en-US" sz="800" b="0">
-                          <a:solidFill>
-                            <a:srgbClr val="434343"/>
-                          </a:solidFill>
-                          <a:effectLst/>
-                          <a:highlight>
-                            <a:srgbClr val="F8F9FA"/>
-                          </a:highlight>
-                          <a:latin typeface="Roboto" panose="02000000000000000000" pitchFamily="2" charset="0"/>
-                        </a:rPr>
-                        <a:t>Design and coding</a:t>
-                      </a:r>
-                    </a:p>
-                  </a:txBody>
-                  <a:tcPr marL="28543" marR="28543" marT="7136" marB="7136" anchor="ctr">
-                    <a:lnL w="7620" cap="flat" cmpd="sng" algn="ctr">
-                      <a:solidFill>
-                        <a:srgbClr val="284E3F"/>
-                      </a:solidFill>
-                      <a:prstDash val="solid"/>
-                      <a:round/>
-                      <a:headEnd type="none" w="med" len="med"/>
-                      <a:tailEnd type="none" w="med" len="med"/>
-                    </a:lnL>
-                    <a:lnR w="7620" cap="flat" cmpd="sng" algn="ctr">
-                      <a:solidFill>
-                        <a:srgbClr val="CCCCCC"/>
-                      </a:solidFill>
-                      <a:prstDash val="solid"/>
-                      <a:round/>
-                      <a:headEnd type="none" w="med" len="med"/>
-                      <a:tailEnd type="none" w="med" len="med"/>
-                    </a:lnR>
-                    <a:lnT w="7620" cap="flat" cmpd="sng" algn="ctr">
-                      <a:solidFill>
-                        <a:srgbClr val="CCCCCC"/>
-                      </a:solidFill>
-                      <a:prstDash val="solid"/>
-                      <a:round/>
-                      <a:headEnd type="none" w="med" len="med"/>
-                      <a:tailEnd type="none" w="med" len="med"/>
-                    </a:lnT>
-                    <a:lnB w="7620" cap="flat" cmpd="sng" algn="ctr">
-                      <a:solidFill>
-                        <a:srgbClr val="CCCCCC"/>
-                      </a:solidFill>
-                      <a:prstDash val="solid"/>
-                      <a:round/>
-                      <a:headEnd type="none" w="med" len="med"/>
-                      <a:tailEnd type="none" w="med" len="med"/>
-                    </a:lnB>
-                    <a:solidFill>
-                      <a:srgbClr val="F8F9FA"/>
-                    </a:solidFill>
-                  </a:tcPr>
-                </a:tc>
-                <a:tc>
-                  <a:txBody>
-                    <a:bodyPr/>
-                    <a:lstStyle/>
-                    <a:p>
-                      <a:pPr rtl="0" fontAlgn="ctr"/>
-                      <a:r>
-                        <a:rPr lang="en-US" sz="800" b="0">
-                          <a:solidFill>
-                            <a:srgbClr val="434343"/>
-                          </a:solidFill>
-                          <a:effectLst/>
-                          <a:highlight>
-                            <a:srgbClr val="F8F9FA"/>
-                          </a:highlight>
-                          <a:latin typeface="Roboto" panose="02000000000000000000" pitchFamily="2" charset="0"/>
-                        </a:rPr>
-                        <a:t>Key schedule’s left shifts</a:t>
-                      </a:r>
-                    </a:p>
-                  </a:txBody>
-                  <a:tcPr marL="28543" marR="28543" marT="7136" marB="7136" anchor="ctr">
-                    <a:lnL w="7620" cap="flat" cmpd="sng" algn="ctr">
-                      <a:solidFill>
-                        <a:srgbClr val="CCCCCC"/>
-                      </a:solidFill>
-                      <a:prstDash val="solid"/>
-                      <a:round/>
-                      <a:headEnd type="none" w="med" len="med"/>
-                      <a:tailEnd type="none" w="med" len="med"/>
-                    </a:lnL>
-                    <a:lnR w="7620" cap="flat" cmpd="sng" algn="ctr">
-                      <a:solidFill>
-                        <a:srgbClr val="CCCCCC"/>
-                      </a:solidFill>
-                      <a:prstDash val="solid"/>
-                      <a:round/>
-                      <a:headEnd type="none" w="med" len="med"/>
-                      <a:tailEnd type="none" w="med" len="med"/>
-                    </a:lnR>
-                    <a:lnT w="7620" cap="flat" cmpd="sng" algn="ctr">
-                      <a:solidFill>
-                        <a:srgbClr val="CCCCCC"/>
-                      </a:solidFill>
-                      <a:prstDash val="solid"/>
-                      <a:round/>
-                      <a:headEnd type="none" w="med" len="med"/>
-                      <a:tailEnd type="none" w="med" len="med"/>
-                    </a:lnT>
-                    <a:lnB w="7620" cap="flat" cmpd="sng" algn="ctr">
-                      <a:solidFill>
-                        <a:srgbClr val="CCCCCC"/>
-                      </a:solidFill>
-                      <a:prstDash val="solid"/>
-                      <a:round/>
-                      <a:headEnd type="none" w="med" len="med"/>
-                      <a:tailEnd type="none" w="med" len="med"/>
-                    </a:lnB>
-                    <a:solidFill>
-                      <a:srgbClr val="F8F9FA"/>
-                    </a:solidFill>
-                  </a:tcPr>
-                </a:tc>
-                <a:tc>
-                  <a:txBody>
-                    <a:bodyPr/>
-                    <a:lstStyle/>
-                    <a:p>
-                      <a:pPr algn="r" rtl="0" fontAlgn="ctr"/>
-                      <a:r>
-                        <a:rPr lang="he-IL" sz="800" b="0" dirty="0">
-                          <a:solidFill>
-                            <a:srgbClr val="434343"/>
-                          </a:solidFill>
-                          <a:effectLst/>
-                          <a:highlight>
-                            <a:srgbClr val="F8F9FA"/>
-                          </a:highlight>
-                          <a:latin typeface="Roboto" panose="02000000000000000000" pitchFamily="2" charset="0"/>
-                        </a:rPr>
-                        <a:t>שמחה לוינקופ</a:t>
-                      </a:r>
-                    </a:p>
-                  </a:txBody>
-                  <a:tcPr marL="28543" marR="28543" marT="7136" marB="7136" anchor="ctr">
-                    <a:lnL w="7620" cap="flat" cmpd="sng" algn="ctr">
-                      <a:solidFill>
-                        <a:srgbClr val="CCCCCC"/>
-                      </a:solidFill>
-                      <a:prstDash val="solid"/>
-                      <a:round/>
-                      <a:headEnd type="none" w="med" len="med"/>
-                      <a:tailEnd type="none" w="med" len="med"/>
-                    </a:lnL>
-                    <a:lnR w="7620" cap="flat" cmpd="sng" algn="ctr">
-                      <a:solidFill>
-                        <a:srgbClr val="284E3F"/>
-                      </a:solidFill>
-                      <a:prstDash val="solid"/>
-                      <a:round/>
-                      <a:headEnd type="none" w="med" len="med"/>
-                      <a:tailEnd type="none" w="med" len="med"/>
-                    </a:lnR>
-                    <a:lnT w="7620" cap="flat" cmpd="sng" algn="ctr">
-                      <a:solidFill>
-                        <a:srgbClr val="CCCCCC"/>
-                      </a:solidFill>
-                      <a:prstDash val="solid"/>
-                      <a:round/>
-                      <a:headEnd type="none" w="med" len="med"/>
-                      <a:tailEnd type="none" w="med" len="med"/>
-                    </a:lnT>
-                    <a:lnB w="7620" cap="flat" cmpd="sng" algn="ctr">
-                      <a:solidFill>
-                        <a:srgbClr val="CCCCCC"/>
-                      </a:solidFill>
-                      <a:prstDash val="solid"/>
-                      <a:round/>
-                      <a:headEnd type="none" w="med" len="med"/>
-                      <a:tailEnd type="none" w="med" len="med"/>
-                    </a:lnB>
-                    <a:solidFill>
-                      <a:srgbClr val="F8F9FA"/>
-                    </a:solidFill>
-                  </a:tcPr>
-                </a:tc>
-                <a:extLst>
-                  <a:ext uri="{0D108BD9-81ED-4DB2-BD59-A6C34878D82A}">
-                    <a16:rowId xmlns:a16="http://schemas.microsoft.com/office/drawing/2014/main" val="3518075145"/>
-                  </a:ext>
-                </a:extLst>
-              </a:tr>
-              <a:tr h="315805">
-                <a:tc>
-                  <a:txBody>
-                    <a:bodyPr/>
-                    <a:lstStyle/>
-                    <a:p>
-                      <a:pPr rtl="0" fontAlgn="ctr"/>
-                      <a:r>
-                        <a:rPr lang="en-US" sz="800" b="0">
-                          <a:solidFill>
-                            <a:srgbClr val="434343"/>
-                          </a:solidFill>
-                          <a:effectLst/>
-                          <a:highlight>
-                            <a:srgbClr val="FFFFFF"/>
-                          </a:highlight>
-                          <a:latin typeface="Roboto" panose="02000000000000000000" pitchFamily="2" charset="0"/>
-                        </a:rPr>
-                        <a:t>Design and coding</a:t>
-                      </a:r>
-                    </a:p>
-                  </a:txBody>
-                  <a:tcPr marL="28543" marR="28543" marT="7136" marB="7136" anchor="ctr">
-                    <a:lnL w="7620" cap="flat" cmpd="sng" algn="ctr">
-                      <a:solidFill>
-                        <a:srgbClr val="284E3F"/>
-                      </a:solidFill>
-                      <a:prstDash val="solid"/>
-                      <a:round/>
-                      <a:headEnd type="none" w="med" len="med"/>
-                      <a:tailEnd type="none" w="med" len="med"/>
-                    </a:lnL>
-                    <a:lnR w="7620" cap="flat" cmpd="sng" algn="ctr">
-                      <a:solidFill>
-                        <a:srgbClr val="CCCCCC"/>
-                      </a:solidFill>
-                      <a:prstDash val="solid"/>
-                      <a:round/>
-                      <a:headEnd type="none" w="med" len="med"/>
-                      <a:tailEnd type="none" w="med" len="med"/>
-                    </a:lnR>
-                    <a:lnT w="7620" cap="flat" cmpd="sng" algn="ctr">
-                      <a:solidFill>
-                        <a:srgbClr val="CCCCCC"/>
-                      </a:solidFill>
-                      <a:prstDash val="solid"/>
-                      <a:round/>
-                      <a:headEnd type="none" w="med" len="med"/>
-                      <a:tailEnd type="none" w="med" len="med"/>
-                    </a:lnT>
-                    <a:lnB w="7620" cap="flat" cmpd="sng" algn="ctr">
-                      <a:solidFill>
-                        <a:srgbClr val="CCCCCC"/>
-                      </a:solidFill>
-                      <a:prstDash val="solid"/>
-                      <a:round/>
-                      <a:headEnd type="none" w="med" len="med"/>
-                      <a:tailEnd type="none" w="med" len="med"/>
-                    </a:lnB>
-                    <a:solidFill>
-                      <a:srgbClr val="FFFFFF"/>
-                    </a:solidFill>
-                  </a:tcPr>
-                </a:tc>
-                <a:tc>
-                  <a:txBody>
-                    <a:bodyPr/>
-                    <a:lstStyle/>
-                    <a:p>
-                      <a:pPr rtl="0" fontAlgn="ctr"/>
-                      <a:r>
-                        <a:rPr lang="en-US" sz="800" b="0">
-                          <a:solidFill>
-                            <a:srgbClr val="434343"/>
-                          </a:solidFill>
-                          <a:effectLst/>
-                          <a:highlight>
-                            <a:srgbClr val="FFFFFF"/>
-                          </a:highlight>
-                          <a:latin typeface="Roboto" panose="02000000000000000000" pitchFamily="2" charset="0"/>
-                        </a:rPr>
-                        <a:t>Input and Output Registers</a:t>
-                      </a:r>
-                    </a:p>
-                  </a:txBody>
-                  <a:tcPr marL="28543" marR="28543" marT="7136" marB="7136" anchor="ctr">
-                    <a:lnL w="7620" cap="flat" cmpd="sng" algn="ctr">
-                      <a:solidFill>
-                        <a:srgbClr val="CCCCCC"/>
-                      </a:solidFill>
-                      <a:prstDash val="solid"/>
-                      <a:round/>
-                      <a:headEnd type="none" w="med" len="med"/>
-                      <a:tailEnd type="none" w="med" len="med"/>
-                    </a:lnL>
-                    <a:lnR w="7620" cap="flat" cmpd="sng" algn="ctr">
-                      <a:solidFill>
-                        <a:srgbClr val="CCCCCC"/>
-                      </a:solidFill>
-                      <a:prstDash val="solid"/>
-                      <a:round/>
-                      <a:headEnd type="none" w="med" len="med"/>
-                      <a:tailEnd type="none" w="med" len="med"/>
-                    </a:lnR>
-                    <a:lnT w="7620" cap="flat" cmpd="sng" algn="ctr">
-                      <a:solidFill>
-                        <a:srgbClr val="CCCCCC"/>
-                      </a:solidFill>
-                      <a:prstDash val="solid"/>
-                      <a:round/>
-                      <a:headEnd type="none" w="med" len="med"/>
-                      <a:tailEnd type="none" w="med" len="med"/>
-                    </a:lnT>
-                    <a:lnB w="7620" cap="flat" cmpd="sng" algn="ctr">
-                      <a:solidFill>
-                        <a:srgbClr val="CCCCCC"/>
-                      </a:solidFill>
-                      <a:prstDash val="solid"/>
-                      <a:round/>
-                      <a:headEnd type="none" w="med" len="med"/>
-                      <a:tailEnd type="none" w="med" len="med"/>
-                    </a:lnB>
-                    <a:solidFill>
-                      <a:srgbClr val="FFFFFF"/>
-                    </a:solidFill>
-                  </a:tcPr>
-                </a:tc>
-                <a:tc>
-                  <a:txBody>
-                    <a:bodyPr/>
-                    <a:lstStyle/>
-                    <a:p>
-                      <a:pPr algn="r" rtl="0" fontAlgn="ctr"/>
-                      <a:r>
-                        <a:rPr lang="he-IL" sz="800" b="0">
-                          <a:solidFill>
-                            <a:srgbClr val="434343"/>
-                          </a:solidFill>
-                          <a:effectLst/>
-                          <a:highlight>
-                            <a:srgbClr val="FFFFFF"/>
-                          </a:highlight>
-                          <a:latin typeface="Roboto" panose="02000000000000000000" pitchFamily="2" charset="0"/>
-                        </a:rPr>
-                        <a:t>ינון</a:t>
-                      </a:r>
-                    </a:p>
-                  </a:txBody>
-                  <a:tcPr marL="28543" marR="28543" marT="7136" marB="7136" anchor="ctr">
-                    <a:lnL w="7620" cap="flat" cmpd="sng" algn="ctr">
-                      <a:solidFill>
-                        <a:srgbClr val="CCCCCC"/>
-                      </a:solidFill>
-                      <a:prstDash val="solid"/>
-                      <a:round/>
-                      <a:headEnd type="none" w="med" len="med"/>
-                      <a:tailEnd type="none" w="med" len="med"/>
-                    </a:lnL>
-                    <a:lnR w="7620" cap="flat" cmpd="sng" algn="ctr">
-                      <a:solidFill>
-                        <a:srgbClr val="284E3F"/>
-                      </a:solidFill>
-                      <a:prstDash val="solid"/>
-                      <a:round/>
-                      <a:headEnd type="none" w="med" len="med"/>
-                      <a:tailEnd type="none" w="med" len="med"/>
-                    </a:lnR>
-                    <a:lnT w="7620" cap="flat" cmpd="sng" algn="ctr">
-                      <a:solidFill>
-                        <a:srgbClr val="CCCCCC"/>
-                      </a:solidFill>
-                      <a:prstDash val="solid"/>
-                      <a:round/>
-                      <a:headEnd type="none" w="med" len="med"/>
-                      <a:tailEnd type="none" w="med" len="med"/>
-                    </a:lnT>
-                    <a:lnB w="7620" cap="flat" cmpd="sng" algn="ctr">
-                      <a:solidFill>
-                        <a:srgbClr val="CCCCCC"/>
-                      </a:solidFill>
-                      <a:prstDash val="solid"/>
-                      <a:round/>
-                      <a:headEnd type="none" w="med" len="med"/>
-                      <a:tailEnd type="none" w="med" len="med"/>
-                    </a:lnB>
-                    <a:solidFill>
-                      <a:srgbClr val="FFFFFF"/>
-                    </a:solidFill>
-                  </a:tcPr>
-                </a:tc>
-                <a:extLst>
-                  <a:ext uri="{0D108BD9-81ED-4DB2-BD59-A6C34878D82A}">
-                    <a16:rowId xmlns:a16="http://schemas.microsoft.com/office/drawing/2014/main" val="415325206"/>
-                  </a:ext>
-                </a:extLst>
-              </a:tr>
-              <a:tr h="315805">
-                <a:tc>
-                  <a:txBody>
-                    <a:bodyPr/>
-                    <a:lstStyle/>
-                    <a:p>
-                      <a:pPr algn="r" rtl="0" fontAlgn="ctr"/>
-                      <a:r>
-                        <a:rPr lang="he-IL" sz="800" b="0">
-                          <a:solidFill>
-                            <a:srgbClr val="434343"/>
-                          </a:solidFill>
-                          <a:effectLst/>
-                          <a:highlight>
-                            <a:srgbClr val="F8F9FA"/>
-                          </a:highlight>
-                          <a:latin typeface="Roboto" panose="02000000000000000000" pitchFamily="2" charset="0"/>
-                        </a:rPr>
-                        <a:t>מצגת </a:t>
-                      </a:r>
-                    </a:p>
-                  </a:txBody>
-                  <a:tcPr marL="28543" marR="28543" marT="7136" marB="7136" anchor="ctr">
-                    <a:lnL w="7620" cap="flat" cmpd="sng" algn="ctr">
-                      <a:solidFill>
-                        <a:srgbClr val="284E3F"/>
-                      </a:solidFill>
-                      <a:prstDash val="solid"/>
-                      <a:round/>
-                      <a:headEnd type="none" w="med" len="med"/>
-                      <a:tailEnd type="none" w="med" len="med"/>
-                    </a:lnL>
-                    <a:lnR w="7620" cap="flat" cmpd="sng" algn="ctr">
-                      <a:solidFill>
-                        <a:srgbClr val="CCCCCC"/>
-                      </a:solidFill>
-                      <a:prstDash val="solid"/>
-                      <a:round/>
-                      <a:headEnd type="none" w="med" len="med"/>
-                      <a:tailEnd type="none" w="med" len="med"/>
-                    </a:lnR>
-                    <a:lnT w="7620" cap="flat" cmpd="sng" algn="ctr">
-                      <a:solidFill>
-                        <a:srgbClr val="CCCCCC"/>
-                      </a:solidFill>
-                      <a:prstDash val="solid"/>
-                      <a:round/>
-                      <a:headEnd type="none" w="med" len="med"/>
-                      <a:tailEnd type="none" w="med" len="med"/>
-                    </a:lnT>
-                    <a:lnB w="7620" cap="flat" cmpd="sng" algn="ctr">
-                      <a:solidFill>
-                        <a:srgbClr val="284E3F"/>
-                      </a:solidFill>
-                      <a:prstDash val="solid"/>
-                      <a:round/>
-                      <a:headEnd type="none" w="med" len="med"/>
-                      <a:tailEnd type="none" w="med" len="med"/>
-                    </a:lnB>
-                    <a:solidFill>
-                      <a:srgbClr val="F8F9FA"/>
-                    </a:solidFill>
-                  </a:tcPr>
-                </a:tc>
-                <a:tc>
-                  <a:txBody>
-                    <a:bodyPr/>
-                    <a:lstStyle/>
-                    <a:p>
-                      <a:pPr algn="r" rtl="0" fontAlgn="ctr"/>
-                      <a:r>
-                        <a:rPr lang="he-IL" sz="800" b="0">
-                          <a:solidFill>
-                            <a:srgbClr val="434343"/>
-                          </a:solidFill>
-                          <a:effectLst/>
-                          <a:highlight>
-                            <a:srgbClr val="F8F9FA"/>
-                          </a:highlight>
-                          <a:latin typeface="Roboto" panose="02000000000000000000" pitchFamily="2" charset="0"/>
-                        </a:rPr>
-                        <a:t>אחראי להכין את המצגת הסופית</a:t>
-                      </a:r>
-                    </a:p>
-                  </a:txBody>
-                  <a:tcPr marL="28543" marR="28543" marT="7136" marB="7136" anchor="ctr">
-                    <a:lnL w="7620" cap="flat" cmpd="sng" algn="ctr">
-                      <a:solidFill>
-                        <a:srgbClr val="CCCCCC"/>
-                      </a:solidFill>
-                      <a:prstDash val="solid"/>
-                      <a:round/>
-                      <a:headEnd type="none" w="med" len="med"/>
-                      <a:tailEnd type="none" w="med" len="med"/>
-                    </a:lnL>
-                    <a:lnR w="7620" cap="flat" cmpd="sng" algn="ctr">
-                      <a:solidFill>
-                        <a:srgbClr val="CCCCCC"/>
-                      </a:solidFill>
-                      <a:prstDash val="solid"/>
-                      <a:round/>
-                      <a:headEnd type="none" w="med" len="med"/>
-                      <a:tailEnd type="none" w="med" len="med"/>
-                    </a:lnR>
-                    <a:lnT w="7620" cap="flat" cmpd="sng" algn="ctr">
-                      <a:solidFill>
-                        <a:srgbClr val="CCCCCC"/>
-                      </a:solidFill>
-                      <a:prstDash val="solid"/>
-                      <a:round/>
-                      <a:headEnd type="none" w="med" len="med"/>
-                      <a:tailEnd type="none" w="med" len="med"/>
-                    </a:lnT>
-                    <a:lnB w="7620" cap="flat" cmpd="sng" algn="ctr">
-                      <a:solidFill>
-                        <a:srgbClr val="284E3F"/>
-                      </a:solidFill>
-                      <a:prstDash val="solid"/>
-                      <a:round/>
-                      <a:headEnd type="none" w="med" len="med"/>
-                      <a:tailEnd type="none" w="med" len="med"/>
-                    </a:lnB>
-                    <a:solidFill>
-                      <a:srgbClr val="F8F9FA"/>
-                    </a:solidFill>
-                  </a:tcPr>
-                </a:tc>
-                <a:tc>
-                  <a:txBody>
-                    <a:bodyPr/>
-                    <a:lstStyle/>
-                    <a:p>
-                      <a:pPr algn="r" rtl="0" fontAlgn="ctr"/>
-                      <a:r>
-                        <a:rPr lang="he-IL" sz="800" b="0" dirty="0">
-                          <a:solidFill>
-                            <a:srgbClr val="434343"/>
-                          </a:solidFill>
-                          <a:effectLst/>
-                          <a:highlight>
-                            <a:srgbClr val="F8F9FA"/>
-                          </a:highlight>
-                          <a:latin typeface="Roboto" panose="02000000000000000000" pitchFamily="2" charset="0"/>
-                        </a:rPr>
-                        <a:t>ניסן שלומוב </a:t>
-                      </a:r>
-                    </a:p>
-                  </a:txBody>
-                  <a:tcPr marL="28543" marR="28543" marT="7136" marB="7136" anchor="ctr">
-                    <a:lnL w="7620" cap="flat" cmpd="sng" algn="ctr">
-                      <a:solidFill>
-                        <a:srgbClr val="CCCCCC"/>
-                      </a:solidFill>
-                      <a:prstDash val="solid"/>
-                      <a:round/>
-                      <a:headEnd type="none" w="med" len="med"/>
-                      <a:tailEnd type="none" w="med" len="med"/>
-                    </a:lnL>
-                    <a:lnR w="7620" cap="flat" cmpd="sng" algn="ctr">
-                      <a:solidFill>
-                        <a:srgbClr val="284E3F"/>
-                      </a:solidFill>
-                      <a:prstDash val="solid"/>
-                      <a:round/>
-                      <a:headEnd type="none" w="med" len="med"/>
-                      <a:tailEnd type="none" w="med" len="med"/>
-                    </a:lnR>
-                    <a:lnT w="7620" cap="flat" cmpd="sng" algn="ctr">
-                      <a:solidFill>
-                        <a:srgbClr val="CCCCCC"/>
-                      </a:solidFill>
-                      <a:prstDash val="solid"/>
-                      <a:round/>
-                      <a:headEnd type="none" w="med" len="med"/>
-                      <a:tailEnd type="none" w="med" len="med"/>
-                    </a:lnT>
-                    <a:lnB w="7620" cap="flat" cmpd="sng" algn="ctr">
-                      <a:solidFill>
-                        <a:srgbClr val="284E3F"/>
-                      </a:solidFill>
-                      <a:prstDash val="solid"/>
-                      <a:round/>
-                      <a:headEnd type="none" w="med" len="med"/>
-                      <a:tailEnd type="none" w="med" len="med"/>
-                    </a:lnB>
-                    <a:solidFill>
-                      <a:srgbClr val="F8F9FA"/>
-                    </a:solidFill>
-                  </a:tcPr>
-                </a:tc>
-                <a:extLst>
-                  <a:ext uri="{0D108BD9-81ED-4DB2-BD59-A6C34878D82A}">
-                    <a16:rowId xmlns:a16="http://schemas.microsoft.com/office/drawing/2014/main" val="827424733"/>
-                  </a:ext>
-                </a:extLst>
-              </a:tr>
-            </a:tbl>
-          </a:graphicData>
-        </a:graphic>
-      </p:graphicFrame>
       <p:sp>
         <p:nvSpPr>
           <p:cNvPr id="6" name="תיבת טקסט 5">
@@ -12390,6 +9402,36 @@
           </a:p>
         </p:txBody>
       </p:sp>
+      <p:pic>
+        <p:nvPicPr>
+          <p:cNvPr id="5" name="תמונה 4">
+            <a:extLst>
+              <a:ext uri="{FF2B5EF4-FFF2-40B4-BE49-F238E27FC236}">
+                <a16:creationId xmlns:a16="http://schemas.microsoft.com/office/drawing/2014/main" id="{2EEE2B86-A062-0C5E-B854-15203D446F65}"/>
+              </a:ext>
+            </a:extLst>
+          </p:cNvPr>
+          <p:cNvPicPr>
+            <a:picLocks noChangeAspect="1"/>
+          </p:cNvPicPr>
+          <p:nvPr/>
+        </p:nvPicPr>
+        <p:blipFill>
+          <a:blip r:embed="rId2"/>
+          <a:stretch>
+            <a:fillRect/>
+          </a:stretch>
+        </p:blipFill>
+        <p:spPr>
+          <a:xfrm>
+            <a:off x="399255" y="1604708"/>
+            <a:ext cx="11393490" cy="3648584"/>
+          </a:xfrm>
+          <a:prstGeom prst="rect">
+            <a:avLst/>
+          </a:prstGeom>
+        </p:spPr>
+      </p:pic>
     </p:spTree>
     <p:extLst>
       <p:ext uri="{BB962C8B-B14F-4D97-AF65-F5344CB8AC3E}">
@@ -12966,49 +10008,32 @@
       </p:sp>
       <p:pic>
         <p:nvPicPr>
-          <p:cNvPr id="4098" name="Picture 2">
+          <p:cNvPr id="4" name="תמונה 3">
             <a:extLst>
               <a:ext uri="{FF2B5EF4-FFF2-40B4-BE49-F238E27FC236}">
-                <a16:creationId xmlns:a16="http://schemas.microsoft.com/office/drawing/2014/main" id="{3E65632C-445E-51A9-E1DD-EA1724CCBC4D}"/>
+                <a16:creationId xmlns:a16="http://schemas.microsoft.com/office/drawing/2014/main" id="{B43EE944-9454-5EBD-8E38-3DAC97149447}"/>
               </a:ext>
             </a:extLst>
           </p:cNvPr>
           <p:cNvPicPr>
-            <a:picLocks noChangeAspect="1" noChangeArrowheads="1"/>
+            <a:picLocks noChangeAspect="1"/>
           </p:cNvPicPr>
           <p:nvPr/>
         </p:nvPicPr>
         <p:blipFill>
-          <a:blip r:embed="rId2">
-            <a:extLst>
-              <a:ext uri="{28A0092B-C50C-407E-A947-70E740481C1C}">
-                <a14:useLocalDpi xmlns:a14="http://schemas.microsoft.com/office/drawing/2010/main" val="0"/>
-              </a:ext>
-            </a:extLst>
-          </a:blip>
-          <a:srcRect/>
+          <a:blip r:embed="rId2"/>
           <a:stretch>
             <a:fillRect/>
           </a:stretch>
         </p:blipFill>
-        <p:spPr bwMode="auto">
-          <a:xfrm>
-            <a:off x="587276" y="2105769"/>
-            <a:ext cx="11017447" cy="3513870"/>
+        <p:spPr>
+          <a:xfrm>
+            <a:off x="0" y="2250427"/>
+            <a:ext cx="12192000" cy="3926386"/>
           </a:xfrm>
           <a:prstGeom prst="rect">
             <a:avLst/>
           </a:prstGeom>
-          <a:noFill/>
-          <a:extLst>
-            <a:ext uri="{909E8E84-426E-40DD-AFC4-6F175D3DCCD1}">
-              <a14:hiddenFill xmlns:a14="http://schemas.microsoft.com/office/drawing/2010/main">
-                <a:solidFill>
-                  <a:srgbClr val="FFFFFF"/>
-                </a:solidFill>
-              </a14:hiddenFill>
-            </a:ext>
-          </a:extLst>
         </p:spPr>
       </p:pic>
     </p:spTree>
@@ -13123,49 +10148,32 @@
       </p:sp>
       <p:pic>
         <p:nvPicPr>
-          <p:cNvPr id="5122" name="Picture 2">
+          <p:cNvPr id="5" name="תמונה 4">
             <a:extLst>
               <a:ext uri="{FF2B5EF4-FFF2-40B4-BE49-F238E27FC236}">
-                <a16:creationId xmlns:a16="http://schemas.microsoft.com/office/drawing/2014/main" id="{073F2C6B-28B5-B017-E792-E7894667D24D}"/>
+                <a16:creationId xmlns:a16="http://schemas.microsoft.com/office/drawing/2014/main" id="{EAAA985B-24BB-BCA8-0667-D362F5AB4694}"/>
               </a:ext>
             </a:extLst>
           </p:cNvPr>
           <p:cNvPicPr>
-            <a:picLocks noChangeAspect="1" noChangeArrowheads="1"/>
+            <a:picLocks noChangeAspect="1"/>
           </p:cNvPicPr>
           <p:nvPr/>
         </p:nvPicPr>
         <p:blipFill>
-          <a:blip r:embed="rId2">
-            <a:extLst>
-              <a:ext uri="{28A0092B-C50C-407E-A947-70E740481C1C}">
-                <a14:useLocalDpi xmlns:a14="http://schemas.microsoft.com/office/drawing/2010/main" val="0"/>
-              </a:ext>
-            </a:extLst>
-          </a:blip>
-          <a:srcRect/>
+          <a:blip r:embed="rId2"/>
           <a:stretch>
             <a:fillRect/>
           </a:stretch>
         </p:blipFill>
-        <p:spPr bwMode="auto">
-          <a:xfrm>
-            <a:off x="775057" y="2063724"/>
-            <a:ext cx="10641885" cy="2351114"/>
+        <p:spPr>
+          <a:xfrm>
+            <a:off x="0" y="2228567"/>
+            <a:ext cx="12192000" cy="2400866"/>
           </a:xfrm>
           <a:prstGeom prst="rect">
             <a:avLst/>
           </a:prstGeom>
-          <a:noFill/>
-          <a:extLst>
-            <a:ext uri="{909E8E84-426E-40DD-AFC4-6F175D3DCCD1}">
-              <a14:hiddenFill xmlns:a14="http://schemas.microsoft.com/office/drawing/2010/main">
-                <a:solidFill>
-                  <a:srgbClr val="FFFFFF"/>
-                </a:solidFill>
-              </a14:hiddenFill>
-            </a:ext>
-          </a:extLst>
         </p:spPr>
       </p:pic>
     </p:spTree>
@@ -13198,53 +10206,6 @@
           <a:chExt cx="0" cy="0"/>
         </a:xfrm>
       </p:grpSpPr>
-      <p:pic>
-        <p:nvPicPr>
-          <p:cNvPr id="6146" name="Picture 2">
-            <a:extLst>
-              <a:ext uri="{FF2B5EF4-FFF2-40B4-BE49-F238E27FC236}">
-                <a16:creationId xmlns:a16="http://schemas.microsoft.com/office/drawing/2014/main" id="{91A7B8B0-0186-5093-EDE9-12D7FF06EC65}"/>
-              </a:ext>
-            </a:extLst>
-          </p:cNvPr>
-          <p:cNvPicPr>
-            <a:picLocks noChangeAspect="1" noChangeArrowheads="1"/>
-          </p:cNvPicPr>
-          <p:nvPr/>
-        </p:nvPicPr>
-        <p:blipFill>
-          <a:blip r:embed="rId2">
-            <a:extLst>
-              <a:ext uri="{28A0092B-C50C-407E-A947-70E740481C1C}">
-                <a14:useLocalDpi xmlns:a14="http://schemas.microsoft.com/office/drawing/2010/main" val="0"/>
-              </a:ext>
-            </a:extLst>
-          </a:blip>
-          <a:srcRect/>
-          <a:stretch>
-            <a:fillRect/>
-          </a:stretch>
-        </p:blipFill>
-        <p:spPr bwMode="auto">
-          <a:xfrm>
-            <a:off x="414337" y="2128838"/>
-            <a:ext cx="11363325" cy="2321742"/>
-          </a:xfrm>
-          <a:prstGeom prst="rect">
-            <a:avLst/>
-          </a:prstGeom>
-          <a:noFill/>
-          <a:extLst>
-            <a:ext uri="{909E8E84-426E-40DD-AFC4-6F175D3DCCD1}">
-              <a14:hiddenFill xmlns:a14="http://schemas.microsoft.com/office/drawing/2010/main">
-                <a:solidFill>
-                  <a:srgbClr val="FFFFFF"/>
-                </a:solidFill>
-              </a14:hiddenFill>
-            </a:ext>
-          </a:extLst>
-        </p:spPr>
-      </p:pic>
       <p:sp>
         <p:nvSpPr>
           <p:cNvPr id="4" name="תיבת טקסט 3">
@@ -13299,7 +10260,7 @@
         </p:nvSpPr>
         <p:spPr>
           <a:xfrm>
-            <a:off x="517923" y="1140394"/>
+            <a:off x="547420" y="1103647"/>
             <a:ext cx="6093618" cy="461665"/>
           </a:xfrm>
           <a:prstGeom prst="rect">
@@ -13325,6 +10286,36 @@
           </a:p>
         </p:txBody>
       </p:sp>
+      <p:pic>
+        <p:nvPicPr>
+          <p:cNvPr id="3" name="תמונה 2">
+            <a:extLst>
+              <a:ext uri="{FF2B5EF4-FFF2-40B4-BE49-F238E27FC236}">
+                <a16:creationId xmlns:a16="http://schemas.microsoft.com/office/drawing/2014/main" id="{F9FEDD20-9FD6-85AC-ACBD-3D9DA56DF5B3}"/>
+              </a:ext>
+            </a:extLst>
+          </p:cNvPr>
+          <p:cNvPicPr>
+            <a:picLocks noChangeAspect="1"/>
+          </p:cNvPicPr>
+          <p:nvPr/>
+        </p:nvPicPr>
+        <p:blipFill>
+          <a:blip r:embed="rId2"/>
+          <a:stretch>
+            <a:fillRect/>
+          </a:stretch>
+        </p:blipFill>
+        <p:spPr>
+          <a:xfrm>
+            <a:off x="0" y="2165477"/>
+            <a:ext cx="12192000" cy="2527045"/>
+          </a:xfrm>
+          <a:prstGeom prst="rect">
+            <a:avLst/>
+          </a:prstGeom>
+        </p:spPr>
+      </p:pic>
     </p:spTree>
     <p:extLst>
       <p:ext uri="{BB962C8B-B14F-4D97-AF65-F5344CB8AC3E}">
